--- a/doc/workshop/WS3-[Lab1] Ontology Building in Action.pptx
+++ b/doc/workshop/WS3-[Lab1] Ontology Building in Action.pptx
@@ -205,7 +205,7 @@
             <a:fld id="{BFC7014E-3801-427D-8358-0844393CB832}" type="datetimeFigureOut">
               <a:rPr lang="tr-TR" smtClean="0"/>
               <a:pPr/>
-              <a:t>04.02.2009</a:t>
+              <a:t>05.02.2009</a:t>
             </a:fld>
             <a:endParaRPr lang="tr-TR"/>
           </a:p>
@@ -1635,7 +1635,7 @@
             <a:fld id="{FAD50FA0-9D1A-4970-9985-8E52C3FAA6F3}" type="datetimeFigureOut">
               <a:rPr lang="tr-TR" smtClean="0"/>
               <a:pPr/>
-              <a:t>04.02.2009</a:t>
+              <a:t>05.02.2009</a:t>
             </a:fld>
             <a:endParaRPr lang="tr-TR"/>
           </a:p>
@@ -1802,7 +1802,7 @@
             <a:fld id="{FAD50FA0-9D1A-4970-9985-8E52C3FAA6F3}" type="datetimeFigureOut">
               <a:rPr lang="tr-TR" smtClean="0"/>
               <a:pPr/>
-              <a:t>04.02.2009</a:t>
+              <a:t>05.02.2009</a:t>
             </a:fld>
             <a:endParaRPr lang="tr-TR"/>
           </a:p>
@@ -1979,7 +1979,7 @@
             <a:fld id="{FAD50FA0-9D1A-4970-9985-8E52C3FAA6F3}" type="datetimeFigureOut">
               <a:rPr lang="tr-TR" smtClean="0"/>
               <a:pPr/>
-              <a:t>04.02.2009</a:t>
+              <a:t>05.02.2009</a:t>
             </a:fld>
             <a:endParaRPr lang="tr-TR"/>
           </a:p>
@@ -2146,7 +2146,7 @@
             <a:fld id="{FAD50FA0-9D1A-4970-9985-8E52C3FAA6F3}" type="datetimeFigureOut">
               <a:rPr lang="tr-TR" smtClean="0"/>
               <a:pPr/>
-              <a:t>04.02.2009</a:t>
+              <a:t>05.02.2009</a:t>
             </a:fld>
             <a:endParaRPr lang="tr-TR"/>
           </a:p>
@@ -2389,7 +2389,7 @@
             <a:fld id="{FAD50FA0-9D1A-4970-9985-8E52C3FAA6F3}" type="datetimeFigureOut">
               <a:rPr lang="tr-TR" smtClean="0"/>
               <a:pPr/>
-              <a:t>04.02.2009</a:t>
+              <a:t>05.02.2009</a:t>
             </a:fld>
             <a:endParaRPr lang="tr-TR"/>
           </a:p>
@@ -2674,7 +2674,7 @@
             <a:fld id="{FAD50FA0-9D1A-4970-9985-8E52C3FAA6F3}" type="datetimeFigureOut">
               <a:rPr lang="tr-TR" smtClean="0"/>
               <a:pPr/>
-              <a:t>04.02.2009</a:t>
+              <a:t>05.02.2009</a:t>
             </a:fld>
             <a:endParaRPr lang="tr-TR"/>
           </a:p>
@@ -3093,7 +3093,7 @@
             <a:fld id="{FAD50FA0-9D1A-4970-9985-8E52C3FAA6F3}" type="datetimeFigureOut">
               <a:rPr lang="tr-TR" smtClean="0"/>
               <a:pPr/>
-              <a:t>04.02.2009</a:t>
+              <a:t>05.02.2009</a:t>
             </a:fld>
             <a:endParaRPr lang="tr-TR"/>
           </a:p>
@@ -3208,7 +3208,7 @@
             <a:fld id="{FAD50FA0-9D1A-4970-9985-8E52C3FAA6F3}" type="datetimeFigureOut">
               <a:rPr lang="tr-TR" smtClean="0"/>
               <a:pPr/>
-              <a:t>04.02.2009</a:t>
+              <a:t>05.02.2009</a:t>
             </a:fld>
             <a:endParaRPr lang="tr-TR"/>
           </a:p>
@@ -3300,7 +3300,7 @@
             <a:fld id="{FAD50FA0-9D1A-4970-9985-8E52C3FAA6F3}" type="datetimeFigureOut">
               <a:rPr lang="tr-TR" smtClean="0"/>
               <a:pPr/>
-              <a:t>04.02.2009</a:t>
+              <a:t>05.02.2009</a:t>
             </a:fld>
             <a:endParaRPr lang="tr-TR"/>
           </a:p>
@@ -3574,7 +3574,7 @@
             <a:fld id="{FAD50FA0-9D1A-4970-9985-8E52C3FAA6F3}" type="datetimeFigureOut">
               <a:rPr lang="tr-TR" smtClean="0"/>
               <a:pPr/>
-              <a:t>04.02.2009</a:t>
+              <a:t>05.02.2009</a:t>
             </a:fld>
             <a:endParaRPr lang="tr-TR"/>
           </a:p>
@@ -3824,7 +3824,7 @@
             <a:fld id="{FAD50FA0-9D1A-4970-9985-8E52C3FAA6F3}" type="datetimeFigureOut">
               <a:rPr lang="tr-TR" smtClean="0"/>
               <a:pPr/>
-              <a:t>04.02.2009</a:t>
+              <a:t>05.02.2009</a:t>
             </a:fld>
             <a:endParaRPr lang="tr-TR"/>
           </a:p>
@@ -4034,7 +4034,7 @@
             <a:fld id="{FAD50FA0-9D1A-4970-9985-8E52C3FAA6F3}" type="datetimeFigureOut">
               <a:rPr lang="tr-TR" smtClean="0"/>
               <a:pPr/>
-              <a:t>04.02.2009</a:t>
+              <a:t>05.02.2009</a:t>
             </a:fld>
             <a:endParaRPr lang="tr-TR"/>
           </a:p>
@@ -5377,13 +5377,8 @@
             <a:pPr eaLnBrk="1" hangingPunct="1"/>
             <a:r>
               <a:rPr lang="tr-TR" dirty="0" smtClean="0"/>
-              <a:t>Next: </a:t>
-            </a:r>
-            <a:r>
-              <a:rPr lang="tr-TR" dirty="0" smtClean="0"/>
-              <a:t>Reasoning...</a:t>
-            </a:r>
-            <a:endParaRPr lang="tr-TR" dirty="0" smtClean="0"/>
+              <a:t>Next: Reasoning...</a:t>
+            </a:r>
           </a:p>
         </p:txBody>
       </p:sp>
@@ -5843,7 +5838,7 @@
           <p:spPr bwMode="auto">
             <a:xfrm>
               <a:off x="432" y="864"/>
-              <a:ext cx="1689" cy="288"/>
+              <a:ext cx="2062" cy="291"/>
             </a:xfrm>
             <a:prstGeom prst="rect">
               <a:avLst/>
@@ -5864,19 +5859,30 @@
             <a:p>
               <a:pPr eaLnBrk="0" hangingPunct="0"/>
               <a:r>
-                <a:rPr lang="en-US" altLang="zh-TW" sz="2400">
+                <a:rPr lang="en-US" altLang="zh-TW" sz="2400" dirty="0">
                   <a:latin typeface="Times New Roman" pitchFamily="18" charset="0"/>
                   <a:ea typeface="PMingLiU" pitchFamily="18" charset="-120"/>
                 </a:rPr>
                 <a:t>Domain:</a:t>
               </a:r>
               <a:r>
-                <a:rPr lang="en-US" altLang="zh-TW" sz="2400" b="0">
+                <a:rPr lang="en-US" altLang="zh-TW" sz="2400" b="0" dirty="0">
                   <a:latin typeface="Times New Roman" pitchFamily="18" charset="0"/>
                   <a:ea typeface="PMingLiU" pitchFamily="18" charset="-120"/>
                 </a:rPr>
-                <a:t> geography</a:t>
+                <a:t> </a:t>
               </a:r>
+              <a:r>
+                <a:rPr lang="tr-TR" altLang="zh-TW" sz="2400" b="0" dirty="0" smtClean="0">
+                  <a:latin typeface="Times New Roman" pitchFamily="18" charset="0"/>
+                  <a:ea typeface="PMingLiU" pitchFamily="18" charset="-120"/>
+                </a:rPr>
+                <a:t>family relations</a:t>
+              </a:r>
+              <a:endParaRPr lang="en-US" altLang="zh-TW" sz="2400" b="0" dirty="0">
+                <a:latin typeface="Times New Roman" pitchFamily="18" charset="0"/>
+                <a:ea typeface="PMingLiU" pitchFamily="18" charset="-120"/>
+              </a:endParaRPr>
             </a:p>
           </p:txBody>
         </p:sp>
@@ -5913,14 +5919,14 @@
           <a:p>
             <a:pPr eaLnBrk="0" hangingPunct="0"/>
             <a:r>
-              <a:rPr lang="en-US" altLang="zh-TW" sz="2400">
+              <a:rPr lang="en-US" altLang="zh-TW" sz="2400" dirty="0">
                 <a:latin typeface="Times New Roman" pitchFamily="18" charset="0"/>
                 <a:ea typeface="PMingLiU" pitchFamily="18" charset="-120"/>
               </a:rPr>
               <a:t>Application:</a:t>
             </a:r>
             <a:r>
-              <a:rPr lang="en-US" altLang="zh-TW" sz="2400" b="0">
+              <a:rPr lang="en-US" altLang="zh-TW" sz="2400" b="0" dirty="0">
                 <a:latin typeface="Times New Roman" pitchFamily="18" charset="0"/>
                 <a:ea typeface="PMingLiU" pitchFamily="18" charset="-120"/>
               </a:rPr>
@@ -6777,7 +6783,7 @@
           <a:p>
             <a:pPr eaLnBrk="0" hangingPunct="0"/>
             <a:r>
-              <a:rPr lang="en-US" altLang="zh-TW" sz="3600" b="0">
+              <a:rPr lang="en-US" altLang="zh-TW" sz="3600" b="0" dirty="0">
                 <a:ea typeface="PMingLiU" pitchFamily="18" charset="-120"/>
                 <a:cs typeface="Arial" charset="0"/>
               </a:rPr>

--- a/doc/workshop/WS3-[Lab1] Ontology Building in Action.pptx
+++ b/doc/workshop/WS3-[Lab1] Ontology Building in Action.pptx
@@ -5,7 +5,7 @@
     <p:sldMasterId id="2147483648" r:id="rId1"/>
   </p:sldMasterIdLst>
   <p:notesMasterIdLst>
-    <p:notesMasterId r:id="rId15"/>
+    <p:notesMasterId r:id="rId17"/>
   </p:notesMasterIdLst>
   <p:sldIdLst>
     <p:sldId id="256" r:id="rId2"/>
@@ -13,14 +13,16 @@
     <p:sldId id="258" r:id="rId4"/>
     <p:sldId id="259" r:id="rId5"/>
     <p:sldId id="260" r:id="rId6"/>
-    <p:sldId id="261" r:id="rId7"/>
-    <p:sldId id="262" r:id="rId8"/>
-    <p:sldId id="263" r:id="rId9"/>
-    <p:sldId id="264" r:id="rId10"/>
-    <p:sldId id="265" r:id="rId11"/>
-    <p:sldId id="266" r:id="rId12"/>
-    <p:sldId id="267" r:id="rId13"/>
-    <p:sldId id="268" r:id="rId14"/>
+    <p:sldId id="269" r:id="rId7"/>
+    <p:sldId id="270" r:id="rId8"/>
+    <p:sldId id="261" r:id="rId9"/>
+    <p:sldId id="262" r:id="rId10"/>
+    <p:sldId id="263" r:id="rId11"/>
+    <p:sldId id="264" r:id="rId12"/>
+    <p:sldId id="265" r:id="rId13"/>
+    <p:sldId id="266" r:id="rId14"/>
+    <p:sldId id="267" r:id="rId15"/>
+    <p:sldId id="268" r:id="rId16"/>
   </p:sldIdLst>
   <p:sldSz cx="9144000" cy="6858000" type="screen4x3"/>
   <p:notesSz cx="6858000" cy="9144000"/>
@@ -205,7 +207,7 @@
             <a:fld id="{BFC7014E-3801-427D-8358-0844393CB832}" type="datetimeFigureOut">
               <a:rPr lang="tr-TR" smtClean="0"/>
               <a:pPr/>
-              <a:t>05.02.2009</a:t>
+              <a:t>11.02.2009</a:t>
             </a:fld>
             <a:endParaRPr lang="tr-TR"/>
           </a:p>
@@ -599,7 +601,7 @@
             <a:fld id="{8F6B2456-2FC9-4A8B-8AFC-96A061F0B869}" type="slidenum">
               <a:rPr lang="tr-TR" smtClean="0"/>
               <a:pPr/>
-              <a:t>11</a:t>
+              <a:t>13</a:t>
             </a:fld>
             <a:endParaRPr lang="tr-TR" smtClean="0"/>
           </a:p>
@@ -988,7 +990,7 @@
             <a:fld id="{799F0F82-012E-4E2E-AADA-4E4F0307F3A2}" type="slidenum">
               <a:rPr lang="tr-TR" smtClean="0"/>
               <a:pPr/>
-              <a:t>6</a:t>
+              <a:t>8</a:t>
             </a:fld>
             <a:endParaRPr lang="tr-TR" smtClean="0"/>
           </a:p>
@@ -1087,7 +1089,7 @@
             <a:fld id="{8C59E3E7-FCC6-477F-AA7D-8AF2E4827B89}" type="slidenum">
               <a:rPr lang="tr-TR" smtClean="0"/>
               <a:pPr/>
-              <a:t>7</a:t>
+              <a:t>9</a:t>
             </a:fld>
             <a:endParaRPr lang="tr-TR" smtClean="0"/>
           </a:p>
@@ -1186,7 +1188,7 @@
             <a:fld id="{891754F5-6B33-4B5D-9548-B4E2841804EE}" type="slidenum">
               <a:rPr lang="tr-TR" smtClean="0"/>
               <a:pPr/>
-              <a:t>8</a:t>
+              <a:t>10</a:t>
             </a:fld>
             <a:endParaRPr lang="tr-TR" smtClean="0"/>
           </a:p>
@@ -1292,7 +1294,7 @@
             <a:fld id="{1CFAEA26-7768-415C-9A19-EAA1A6B0E9D0}" type="slidenum">
               <a:rPr lang="tr-TR" smtClean="0"/>
               <a:pPr/>
-              <a:t>9</a:t>
+              <a:t>11</a:t>
             </a:fld>
             <a:endParaRPr lang="tr-TR" smtClean="0"/>
           </a:p>
@@ -1391,7 +1393,7 @@
             <a:fld id="{07BA9F93-D29A-4E62-96C3-CA7A860C5B5F}" type="slidenum">
               <a:rPr lang="tr-TR" smtClean="0"/>
               <a:pPr/>
-              <a:t>10</a:t>
+              <a:t>12</a:t>
             </a:fld>
             <a:endParaRPr lang="tr-TR" smtClean="0"/>
           </a:p>
@@ -1635,7 +1637,7 @@
             <a:fld id="{FAD50FA0-9D1A-4970-9985-8E52C3FAA6F3}" type="datetimeFigureOut">
               <a:rPr lang="tr-TR" smtClean="0"/>
               <a:pPr/>
-              <a:t>05.02.2009</a:t>
+              <a:t>11.02.2009</a:t>
             </a:fld>
             <a:endParaRPr lang="tr-TR"/>
           </a:p>
@@ -1802,7 +1804,7 @@
             <a:fld id="{FAD50FA0-9D1A-4970-9985-8E52C3FAA6F3}" type="datetimeFigureOut">
               <a:rPr lang="tr-TR" smtClean="0"/>
               <a:pPr/>
-              <a:t>05.02.2009</a:t>
+              <a:t>11.02.2009</a:t>
             </a:fld>
             <a:endParaRPr lang="tr-TR"/>
           </a:p>
@@ -1979,7 +1981,7 @@
             <a:fld id="{FAD50FA0-9D1A-4970-9985-8E52C3FAA6F3}" type="datetimeFigureOut">
               <a:rPr lang="tr-TR" smtClean="0"/>
               <a:pPr/>
-              <a:t>05.02.2009</a:t>
+              <a:t>11.02.2009</a:t>
             </a:fld>
             <a:endParaRPr lang="tr-TR"/>
           </a:p>
@@ -2146,7 +2148,7 @@
             <a:fld id="{FAD50FA0-9D1A-4970-9985-8E52C3FAA6F3}" type="datetimeFigureOut">
               <a:rPr lang="tr-TR" smtClean="0"/>
               <a:pPr/>
-              <a:t>05.02.2009</a:t>
+              <a:t>11.02.2009</a:t>
             </a:fld>
             <a:endParaRPr lang="tr-TR"/>
           </a:p>
@@ -2389,7 +2391,7 @@
             <a:fld id="{FAD50FA0-9D1A-4970-9985-8E52C3FAA6F3}" type="datetimeFigureOut">
               <a:rPr lang="tr-TR" smtClean="0"/>
               <a:pPr/>
-              <a:t>05.02.2009</a:t>
+              <a:t>11.02.2009</a:t>
             </a:fld>
             <a:endParaRPr lang="tr-TR"/>
           </a:p>
@@ -2674,7 +2676,7 @@
             <a:fld id="{FAD50FA0-9D1A-4970-9985-8E52C3FAA6F3}" type="datetimeFigureOut">
               <a:rPr lang="tr-TR" smtClean="0"/>
               <a:pPr/>
-              <a:t>05.02.2009</a:t>
+              <a:t>11.02.2009</a:t>
             </a:fld>
             <a:endParaRPr lang="tr-TR"/>
           </a:p>
@@ -3093,7 +3095,7 @@
             <a:fld id="{FAD50FA0-9D1A-4970-9985-8E52C3FAA6F3}" type="datetimeFigureOut">
               <a:rPr lang="tr-TR" smtClean="0"/>
               <a:pPr/>
-              <a:t>05.02.2009</a:t>
+              <a:t>11.02.2009</a:t>
             </a:fld>
             <a:endParaRPr lang="tr-TR"/>
           </a:p>
@@ -3208,7 +3210,7 @@
             <a:fld id="{FAD50FA0-9D1A-4970-9985-8E52C3FAA6F3}" type="datetimeFigureOut">
               <a:rPr lang="tr-TR" smtClean="0"/>
               <a:pPr/>
-              <a:t>05.02.2009</a:t>
+              <a:t>11.02.2009</a:t>
             </a:fld>
             <a:endParaRPr lang="tr-TR"/>
           </a:p>
@@ -3300,7 +3302,7 @@
             <a:fld id="{FAD50FA0-9D1A-4970-9985-8E52C3FAA6F3}" type="datetimeFigureOut">
               <a:rPr lang="tr-TR" smtClean="0"/>
               <a:pPr/>
-              <a:t>05.02.2009</a:t>
+              <a:t>11.02.2009</a:t>
             </a:fld>
             <a:endParaRPr lang="tr-TR"/>
           </a:p>
@@ -3574,7 +3576,7 @@
             <a:fld id="{FAD50FA0-9D1A-4970-9985-8E52C3FAA6F3}" type="datetimeFigureOut">
               <a:rPr lang="tr-TR" smtClean="0"/>
               <a:pPr/>
-              <a:t>05.02.2009</a:t>
+              <a:t>11.02.2009</a:t>
             </a:fld>
             <a:endParaRPr lang="tr-TR"/>
           </a:p>
@@ -3824,7 +3826,7 @@
             <a:fld id="{FAD50FA0-9D1A-4970-9985-8E52C3FAA6F3}" type="datetimeFigureOut">
               <a:rPr lang="tr-TR" smtClean="0"/>
               <a:pPr/>
-              <a:t>05.02.2009</a:t>
+              <a:t>11.02.2009</a:t>
             </a:fld>
             <a:endParaRPr lang="tr-TR"/>
           </a:p>
@@ -4034,7 +4036,7 @@
             <a:fld id="{FAD50FA0-9D1A-4970-9985-8E52C3FAA6F3}" type="datetimeFigureOut">
               <a:rPr lang="tr-TR" smtClean="0"/>
               <a:pPr/>
-              <a:t>05.02.2009</a:t>
+              <a:t>11.02.2009</a:t>
             </a:fld>
             <a:endParaRPr lang="tr-TR"/>
           </a:p>
@@ -4527,6 +4529,417 @@
       </p:grpSpPr>
       <p:sp>
         <p:nvSpPr>
+          <p:cNvPr id="78850" name="Rectangle 2"/>
+          <p:cNvSpPr>
+            <a:spLocks noChangeArrowheads="1"/>
+          </p:cNvSpPr>
+          <p:nvPr/>
+        </p:nvSpPr>
+        <p:spPr bwMode="auto">
+          <a:xfrm>
+            <a:off x="1331913" y="-90488"/>
+            <a:ext cx="7632700" cy="711201"/>
+          </a:xfrm>
+          <a:prstGeom prst="rect">
+            <a:avLst/>
+          </a:prstGeom>
+          <a:noFill/>
+          <a:ln w="9525">
+            <a:noFill/>
+            <a:miter lim="800000"/>
+            <a:headEnd/>
+            <a:tailEnd/>
+          </a:ln>
+        </p:spPr>
+        <p:txBody>
+          <a:bodyPr anchor="ctr"/>
+          <a:lstStyle/>
+          <a:p>
+            <a:pPr algn="ctr"/>
+            <a:r>
+              <a:rPr lang="en-US" sz="4400" b="0">
+                <a:solidFill>
+                  <a:schemeClr val="tx2"/>
+                </a:solidFill>
+              </a:rPr>
+              <a:t>OWL Example in Protégé  (1)</a:t>
+            </a:r>
+          </a:p>
+        </p:txBody>
+      </p:sp>
+      <p:sp>
+        <p:nvSpPr>
+          <p:cNvPr id="78851" name="Rectangle 3"/>
+          <p:cNvSpPr>
+            <a:spLocks noChangeArrowheads="1"/>
+          </p:cNvSpPr>
+          <p:nvPr/>
+        </p:nvSpPr>
+        <p:spPr bwMode="auto">
+          <a:xfrm>
+            <a:off x="685800" y="976313"/>
+            <a:ext cx="8458200" cy="4648200"/>
+          </a:xfrm>
+          <a:prstGeom prst="rect">
+            <a:avLst/>
+          </a:prstGeom>
+          <a:noFill/>
+          <a:ln w="9525">
+            <a:noFill/>
+            <a:miter lim="800000"/>
+            <a:headEnd/>
+            <a:tailEnd/>
+          </a:ln>
+        </p:spPr>
+        <p:txBody>
+          <a:bodyPr/>
+          <a:lstStyle/>
+          <a:p>
+            <a:pPr marL="342900" indent="-342900">
+              <a:spcBef>
+                <a:spcPct val="20000"/>
+              </a:spcBef>
+              <a:buFontTx/>
+              <a:buChar char="•"/>
+            </a:pPr>
+            <a:r>
+              <a:rPr lang="en-US" sz="3200" b="0"/>
+              <a:t>Class</a:t>
+            </a:r>
+          </a:p>
+          <a:p>
+            <a:pPr marL="742950" lvl="1" indent="-285750">
+              <a:spcBef>
+                <a:spcPct val="20000"/>
+              </a:spcBef>
+              <a:buFontTx/>
+              <a:buChar char="–"/>
+            </a:pPr>
+            <a:r>
+              <a:rPr lang="en-US" sz="2400" b="0"/>
+              <a:t>Person superclass</a:t>
+            </a:r>
+          </a:p>
+          <a:p>
+            <a:pPr marL="742950" lvl="1" indent="-285750">
+              <a:spcBef>
+                <a:spcPct val="20000"/>
+              </a:spcBef>
+              <a:buFontTx/>
+              <a:buChar char="–"/>
+            </a:pPr>
+            <a:r>
+              <a:rPr lang="en-US" sz="2400" b="0"/>
+              <a:t>Man, Woman subclasses</a:t>
+            </a:r>
+            <a:endParaRPr lang="tr-TR" sz="2400" b="0"/>
+          </a:p>
+          <a:p>
+            <a:pPr marL="742950" lvl="1" indent="-285750">
+              <a:spcBef>
+                <a:spcPct val="20000"/>
+              </a:spcBef>
+              <a:buFontTx/>
+              <a:buChar char="–"/>
+            </a:pPr>
+            <a:r>
+              <a:rPr lang="tr-TR" sz="2400" b="0"/>
+              <a:t>Enumerated Classes</a:t>
+            </a:r>
+            <a:endParaRPr lang="en-US" sz="2400" b="0"/>
+          </a:p>
+          <a:p>
+            <a:pPr marL="342900" indent="-342900">
+              <a:spcBef>
+                <a:spcPct val="20000"/>
+              </a:spcBef>
+              <a:buFontTx/>
+              <a:buChar char="•"/>
+            </a:pPr>
+            <a:r>
+              <a:rPr lang="en-US" sz="3200" b="0"/>
+              <a:t>Properties</a:t>
+            </a:r>
+          </a:p>
+          <a:p>
+            <a:pPr marL="742950" lvl="1" indent="-285750">
+              <a:spcBef>
+                <a:spcPct val="20000"/>
+              </a:spcBef>
+              <a:buFontTx/>
+              <a:buChar char="–"/>
+            </a:pPr>
+            <a:r>
+              <a:rPr lang="en-US" sz="2400" b="0"/>
+              <a:t>isWifeOf, isHusbandOf</a:t>
+            </a:r>
+          </a:p>
+          <a:p>
+            <a:pPr marL="342900" indent="-342900">
+              <a:spcBef>
+                <a:spcPct val="20000"/>
+              </a:spcBef>
+              <a:buFontTx/>
+              <a:buChar char="•"/>
+            </a:pPr>
+            <a:r>
+              <a:rPr lang="en-US" sz="3200" b="0"/>
+              <a:t>Property characteristics, restrictions</a:t>
+            </a:r>
+          </a:p>
+          <a:p>
+            <a:pPr marL="742950" lvl="1" indent="-285750">
+              <a:spcBef>
+                <a:spcPct val="20000"/>
+              </a:spcBef>
+              <a:buFontTx/>
+              <a:buChar char="–"/>
+            </a:pPr>
+            <a:r>
+              <a:rPr lang="en-US" sz="2400" b="0"/>
+              <a:t>inverseOf</a:t>
+            </a:r>
+          </a:p>
+          <a:p>
+            <a:pPr marL="742950" lvl="1" indent="-285750">
+              <a:spcBef>
+                <a:spcPct val="20000"/>
+              </a:spcBef>
+              <a:buFontTx/>
+              <a:buChar char="–"/>
+            </a:pPr>
+            <a:r>
+              <a:rPr lang="en-US" sz="2400" b="0"/>
+              <a:t>domain</a:t>
+            </a:r>
+          </a:p>
+          <a:p>
+            <a:pPr marL="742950" lvl="1" indent="-285750">
+              <a:spcBef>
+                <a:spcPct val="20000"/>
+              </a:spcBef>
+              <a:buFontTx/>
+              <a:buChar char="–"/>
+            </a:pPr>
+            <a:r>
+              <a:rPr lang="en-US" sz="2400" b="0"/>
+              <a:t>range</a:t>
+            </a:r>
+          </a:p>
+          <a:p>
+            <a:pPr marL="742950" lvl="1" indent="-285750">
+              <a:spcBef>
+                <a:spcPct val="20000"/>
+              </a:spcBef>
+              <a:buFontTx/>
+              <a:buChar char="–"/>
+            </a:pPr>
+            <a:r>
+              <a:rPr lang="en-US" sz="2400" b="0"/>
+              <a:t>Cardinality</a:t>
+            </a:r>
+            <a:endParaRPr lang="tr-TR" sz="2400" b="0"/>
+          </a:p>
+          <a:p>
+            <a:pPr marL="742950" lvl="1" indent="-285750">
+              <a:spcBef>
+                <a:spcPct val="20000"/>
+              </a:spcBef>
+              <a:buFontTx/>
+              <a:buChar char="–"/>
+            </a:pPr>
+            <a:r>
+              <a:rPr lang="tr-TR" sz="2400" b="0"/>
+              <a:t>allValuesFrom, someValuesFrom, hasValue, minCardinality, maxCardinality, cardinality</a:t>
+            </a:r>
+            <a:endParaRPr lang="en-US" sz="2400" b="0"/>
+          </a:p>
+          <a:p>
+            <a:pPr marL="342900" indent="-342900">
+              <a:spcBef>
+                <a:spcPct val="20000"/>
+              </a:spcBef>
+              <a:buFontTx/>
+              <a:buChar char="•"/>
+            </a:pPr>
+            <a:r>
+              <a:rPr lang="en-US" sz="3200" b="0"/>
+              <a:t>Class expressions</a:t>
+            </a:r>
+          </a:p>
+          <a:p>
+            <a:pPr marL="742950" lvl="1" indent="-285750">
+              <a:spcBef>
+                <a:spcPct val="20000"/>
+              </a:spcBef>
+              <a:buFontTx/>
+              <a:buChar char="–"/>
+            </a:pPr>
+            <a:r>
+              <a:rPr lang="en-US" sz="2400" b="0"/>
+              <a:t>disjointWith</a:t>
+            </a:r>
+            <a:r>
+              <a:rPr lang="tr-TR" sz="2400" b="0"/>
+              <a:t>, </a:t>
+            </a:r>
+            <a:r>
+              <a:rPr lang="en-US" sz="2800" b="0"/>
+              <a:t>unionOf</a:t>
+            </a:r>
+            <a:r>
+              <a:rPr lang="tr-TR" sz="2800" b="0"/>
+              <a:t> </a:t>
+            </a:r>
+            <a:r>
+              <a:rPr lang="en-US" sz="2800" b="0"/>
+              <a:t>(or)</a:t>
+            </a:r>
+            <a:r>
+              <a:rPr lang="tr-TR" sz="2800" b="0"/>
+              <a:t>, </a:t>
+            </a:r>
+            <a:r>
+              <a:rPr lang="en-US" sz="2800" b="0"/>
+              <a:t>intersectionOf (and)</a:t>
+            </a:r>
+            <a:r>
+              <a:rPr lang="tr-TR" sz="2800" b="0"/>
+              <a:t>, </a:t>
+            </a:r>
+            <a:r>
+              <a:rPr lang="en-US" sz="2800" b="0"/>
+              <a:t>complementOf (not)</a:t>
+            </a:r>
+          </a:p>
+        </p:txBody>
+      </p:sp>
+    </p:spTree>
+  </p:cSld>
+  <p:clrMapOvr>
+    <a:masterClrMapping/>
+  </p:clrMapOvr>
+  <p:transition/>
+</p:sld>
+</file>
+
+<file path=ppt/slides/slide11.xml><?xml version="1.0" encoding="utf-8"?>
+<p:sld xmlns:a="http://schemas.openxmlformats.org/drawingml/2006/main" xmlns:r="http://schemas.openxmlformats.org/officeDocument/2006/relationships" xmlns:p="http://schemas.openxmlformats.org/presentationml/2006/main" show="0">
+  <p:cSld>
+    <p:spTree>
+      <p:nvGrpSpPr>
+        <p:cNvPr id="1" name=""/>
+        <p:cNvGrpSpPr/>
+        <p:nvPr/>
+      </p:nvGrpSpPr>
+      <p:grpSpPr>
+        <a:xfrm>
+          <a:off x="0" y="0"/>
+          <a:ext cx="0" cy="0"/>
+          <a:chOff x="0" y="0"/>
+          <a:chExt cx="0" cy="0"/>
+        </a:xfrm>
+      </p:grpSpPr>
+      <p:sp>
+        <p:nvSpPr>
+          <p:cNvPr id="79874" name="Rectangle 2"/>
+          <p:cNvSpPr>
+            <a:spLocks noChangeArrowheads="1"/>
+          </p:cNvSpPr>
+          <p:nvPr/>
+        </p:nvSpPr>
+        <p:spPr bwMode="auto">
+          <a:xfrm>
+            <a:off x="611188" y="103188"/>
+            <a:ext cx="7772400" cy="576262"/>
+          </a:xfrm>
+          <a:prstGeom prst="rect">
+            <a:avLst/>
+          </a:prstGeom>
+          <a:noFill/>
+          <a:ln w="9525">
+            <a:noFill/>
+            <a:miter lim="800000"/>
+            <a:headEnd/>
+            <a:tailEnd/>
+          </a:ln>
+        </p:spPr>
+        <p:txBody>
+          <a:bodyPr anchor="b"/>
+          <a:lstStyle/>
+          <a:p>
+            <a:pPr algn="ctr"/>
+            <a:r>
+              <a:rPr lang="en-US" sz="3600" b="0">
+                <a:solidFill>
+                  <a:schemeClr val="tx2"/>
+                </a:solidFill>
+              </a:rPr>
+              <a:t>OWL Example in Protégé (2)</a:t>
+            </a:r>
+          </a:p>
+        </p:txBody>
+      </p:sp>
+      <p:pic>
+        <p:nvPicPr>
+          <p:cNvPr id="79875" name="Picture 3"/>
+          <p:cNvPicPr>
+            <a:picLocks noChangeAspect="1" noChangeArrowheads="1"/>
+          </p:cNvPicPr>
+          <p:nvPr/>
+        </p:nvPicPr>
+        <p:blipFill>
+          <a:blip r:embed="rId3"/>
+          <a:srcRect/>
+          <a:stretch>
+            <a:fillRect/>
+          </a:stretch>
+        </p:blipFill>
+        <p:spPr bwMode="auto">
+          <a:xfrm>
+            <a:off x="107950" y="636588"/>
+            <a:ext cx="8964613" cy="6213475"/>
+          </a:xfrm>
+          <a:prstGeom prst="rect">
+            <a:avLst/>
+          </a:prstGeom>
+          <a:noFill/>
+          <a:ln w="9525">
+            <a:noFill/>
+            <a:miter lim="800000"/>
+            <a:headEnd/>
+            <a:tailEnd/>
+          </a:ln>
+        </p:spPr>
+      </p:pic>
+    </p:spTree>
+  </p:cSld>
+  <p:clrMapOvr>
+    <a:masterClrMapping/>
+  </p:clrMapOvr>
+  <p:transition/>
+</p:sld>
+</file>
+
+<file path=ppt/slides/slide12.xml><?xml version="1.0" encoding="utf-8"?>
+<p:sld xmlns:a="http://schemas.openxmlformats.org/drawingml/2006/main" xmlns:r="http://schemas.openxmlformats.org/officeDocument/2006/relationships" xmlns:p="http://schemas.openxmlformats.org/presentationml/2006/main" show="0">
+  <p:cSld>
+    <p:spTree>
+      <p:nvGrpSpPr>
+        <p:cNvPr id="1" name=""/>
+        <p:cNvGrpSpPr/>
+        <p:nvPr/>
+      </p:nvGrpSpPr>
+      <p:grpSpPr>
+        <a:xfrm>
+          <a:off x="0" y="0"/>
+          <a:ext cx="0" cy="0"/>
+          <a:chOff x="0" y="0"/>
+          <a:chExt cx="0" cy="0"/>
+        </a:xfrm>
+      </p:grpSpPr>
+      <p:sp>
+        <p:nvSpPr>
           <p:cNvPr id="80898" name="Rectangle 2"/>
           <p:cNvSpPr>
             <a:spLocks noChangeArrowheads="1"/>
@@ -4606,7 +5019,7 @@
 </p:sld>
 </file>
 
-<file path=ppt/slides/slide11.xml><?xml version="1.0" encoding="utf-8"?>
+<file path=ppt/slides/slide13.xml><?xml version="1.0" encoding="utf-8"?>
 <p:sld xmlns:a="http://schemas.openxmlformats.org/drawingml/2006/main" xmlns:r="http://schemas.openxmlformats.org/officeDocument/2006/relationships" xmlns:p="http://schemas.openxmlformats.org/presentationml/2006/main" show="0">
   <p:cSld>
     <p:spTree>
@@ -5248,7 +5661,7 @@
 </p:sld>
 </file>
 
-<file path=ppt/slides/slide12.xml><?xml version="1.0" encoding="utf-8"?>
+<file path=ppt/slides/slide14.xml><?xml version="1.0" encoding="utf-8"?>
 <p:sld xmlns:a="http://schemas.openxmlformats.org/drawingml/2006/main" xmlns:r="http://schemas.openxmlformats.org/officeDocument/2006/relationships" xmlns:p="http://schemas.openxmlformats.org/presentationml/2006/main">
   <p:cSld>
     <p:spTree>
@@ -5319,7 +5732,7 @@
 </p:sld>
 </file>
 
-<file path=ppt/slides/slide13.xml><?xml version="1.0" encoding="utf-8"?>
+<file path=ppt/slides/slide15.xml><?xml version="1.0" encoding="utf-8"?>
 <p:sld xmlns:a="http://schemas.openxmlformats.org/drawingml/2006/main" xmlns:r="http://schemas.openxmlformats.org/officeDocument/2006/relationships" xmlns:p="http://schemas.openxmlformats.org/presentationml/2006/main">
   <p:cSld>
     <p:spTree>
@@ -5530,7 +5943,7 @@
         <p:spPr bwMode="auto">
           <a:xfrm>
             <a:off x="1371600" y="1371600"/>
-            <a:ext cx="7489825" cy="5133975"/>
+            <a:ext cx="6527749" cy="3453253"/>
           </a:xfrm>
           <a:prstGeom prst="rect">
             <a:avLst/>
@@ -5555,13 +5968,13 @@
               </a:lnSpc>
             </a:pPr>
             <a:r>
-              <a:rPr lang="en-US" altLang="zh-TW" sz="2800">
+              <a:rPr lang="en-US" altLang="zh-TW" sz="2800" dirty="0">
                 <a:latin typeface="Times New Roman" pitchFamily="18" charset="0"/>
                 <a:ea typeface="PMingLiU" pitchFamily="18" charset="-120"/>
               </a:rPr>
               <a:t>Steps:</a:t>
             </a:r>
-            <a:endParaRPr lang="en-US" altLang="zh-TW" sz="2800" b="0">
+            <a:endParaRPr lang="en-US" altLang="zh-TW" sz="2800" b="0" dirty="0">
               <a:latin typeface="Times New Roman" pitchFamily="18" charset="0"/>
               <a:ea typeface="PMingLiU" pitchFamily="18" charset="-120"/>
             </a:endParaRPr>
@@ -5575,7 +5988,7 @@
               <a:buChar char="•"/>
             </a:pPr>
             <a:r>
-              <a:rPr lang="en-US" altLang="zh-TW" sz="2800" b="0">
+              <a:rPr lang="en-US" altLang="zh-TW" sz="2800" b="0" dirty="0">
                 <a:latin typeface="Times New Roman" pitchFamily="18" charset="0"/>
                 <a:ea typeface="PMingLiU" pitchFamily="18" charset="-120"/>
               </a:rPr>
@@ -5591,14 +6004,14 @@
               <a:buChar char="•"/>
             </a:pPr>
             <a:r>
-              <a:rPr lang="en-US" altLang="zh-TW" sz="2800" b="0">
+              <a:rPr lang="en-US" altLang="zh-TW" sz="2800" b="0" dirty="0">
                 <a:latin typeface="Times New Roman" pitchFamily="18" charset="0"/>
                 <a:ea typeface="PMingLiU" pitchFamily="18" charset="-120"/>
               </a:rPr>
               <a:t>enumerate important terms</a:t>
             </a:r>
             <a:r>
-              <a:rPr lang="tr-TR" altLang="zh-TW" sz="2800" b="0">
+              <a:rPr lang="tr-TR" altLang="zh-TW" sz="2800" b="0" dirty="0">
                 <a:latin typeface="Times New Roman" pitchFamily="18" charset="0"/>
                 <a:ea typeface="PMingLiU" pitchFamily="18" charset="-120"/>
               </a:rPr>
@@ -5614,12 +6027,30 @@
               <a:buChar char="•"/>
             </a:pPr>
             <a:r>
-              <a:rPr lang="tr-TR" altLang="zh-TW" sz="2800" b="0">
+              <a:rPr lang="tr-TR" altLang="zh-TW" sz="2800" b="0" dirty="0" smtClean="0">
                 <a:latin typeface="Times New Roman" pitchFamily="18" charset="0"/>
                 <a:ea typeface="PMingLiU" pitchFamily="18" charset="-120"/>
               </a:rPr>
-              <a:t>organize the terms (concepts)</a:t>
-            </a:r>
+              <a:t>organize </a:t>
+            </a:r>
+            <a:r>
+              <a:rPr lang="tr-TR" altLang="zh-TW" sz="2800" b="0" dirty="0">
+                <a:latin typeface="Times New Roman" pitchFamily="18" charset="0"/>
+                <a:ea typeface="PMingLiU" pitchFamily="18" charset="-120"/>
+              </a:rPr>
+              <a:t>the terms (</a:t>
+            </a:r>
+            <a:r>
+              <a:rPr lang="tr-TR" altLang="zh-TW" sz="2800" b="0" dirty="0" smtClean="0">
+                <a:latin typeface="Times New Roman" pitchFamily="18" charset="0"/>
+                <a:ea typeface="PMingLiU" pitchFamily="18" charset="-120"/>
+              </a:rPr>
+              <a:t>concepts/classes)</a:t>
+            </a:r>
+            <a:endParaRPr lang="tr-TR" altLang="zh-TW" sz="2800" b="0" dirty="0">
+              <a:latin typeface="Times New Roman" pitchFamily="18" charset="0"/>
+              <a:ea typeface="PMingLiU" pitchFamily="18" charset="-120"/>
+            </a:endParaRPr>
           </a:p>
           <a:p>
             <a:pPr lvl="1" eaLnBrk="0" hangingPunct="0">
@@ -5630,13 +6061,20 @@
               <a:buChar char="•"/>
             </a:pPr>
             <a:r>
-              <a:rPr lang="tr-TR" altLang="zh-TW" sz="2800" b="0">
+              <a:rPr lang="en-US" altLang="zh-TW" sz="2800" dirty="0" smtClean="0">
                 <a:latin typeface="Times New Roman" pitchFamily="18" charset="0"/>
                 <a:ea typeface="PMingLiU" pitchFamily="18" charset="-120"/>
               </a:rPr>
-              <a:t>paraphrase and formalise the definitions</a:t>
-            </a:r>
-            <a:endParaRPr lang="en-US" altLang="zh-TW" sz="2800" b="0">
+              <a:t>define </a:t>
+            </a:r>
+            <a:r>
+              <a:rPr lang="tr-TR" altLang="zh-TW" sz="2800" dirty="0" smtClean="0">
+                <a:latin typeface="Times New Roman" pitchFamily="18" charset="0"/>
+                <a:ea typeface="PMingLiU" pitchFamily="18" charset="-120"/>
+              </a:rPr>
+              <a:t>properties</a:t>
+            </a:r>
+            <a:endParaRPr lang="en-US" altLang="zh-TW" sz="2800" dirty="0" smtClean="0">
               <a:latin typeface="Times New Roman" pitchFamily="18" charset="0"/>
               <a:ea typeface="PMingLiU" pitchFamily="18" charset="-120"/>
             </a:endParaRPr>
@@ -5650,56 +6088,20 @@
               <a:buChar char="•"/>
             </a:pPr>
             <a:r>
-              <a:rPr lang="en-US" altLang="zh-TW" sz="2800" b="0">
+              <a:rPr lang="tr-TR" altLang="zh-TW" sz="2800" dirty="0" smtClean="0">
                 <a:latin typeface="Times New Roman" pitchFamily="18" charset="0"/>
                 <a:ea typeface="PMingLiU" pitchFamily="18" charset="-120"/>
               </a:rPr>
-              <a:t>define classes and class hierarchies</a:t>
-            </a:r>
-          </a:p>
-          <a:p>
-            <a:pPr lvl="1" eaLnBrk="0" hangingPunct="0">
-              <a:lnSpc>
-                <a:spcPct val="130000"/>
-              </a:lnSpc>
-              <a:buFontTx/>
-              <a:buChar char="•"/>
-            </a:pPr>
-            <a:r>
-              <a:rPr lang="en-US" altLang="zh-TW" sz="2800" b="0">
+              <a:t>paraphrase and formalise the </a:t>
+            </a:r>
+            <a:r>
+              <a:rPr lang="tr-TR" altLang="zh-TW" sz="2800" dirty="0" smtClean="0">
                 <a:latin typeface="Times New Roman" pitchFamily="18" charset="0"/>
                 <a:ea typeface="PMingLiU" pitchFamily="18" charset="-120"/>
               </a:rPr>
-              <a:t>define slots</a:t>
-            </a:r>
-          </a:p>
-          <a:p>
-            <a:pPr lvl="1" eaLnBrk="0" hangingPunct="0">
-              <a:lnSpc>
-                <a:spcPct val="130000"/>
-              </a:lnSpc>
-              <a:buFontTx/>
-              <a:buChar char="•"/>
-            </a:pPr>
-            <a:r>
-              <a:rPr lang="en-US" altLang="zh-TW" sz="2800" b="0">
-                <a:latin typeface="Times New Roman" pitchFamily="18" charset="0"/>
-                <a:ea typeface="PMingLiU" pitchFamily="18" charset="-120"/>
-              </a:rPr>
-              <a:t>define slot restrictions (cardinality, value-type)</a:t>
-            </a:r>
-            <a:endParaRPr lang="tr-TR" altLang="zh-TW" sz="2800" b="0">
-              <a:latin typeface="Times New Roman" pitchFamily="18" charset="0"/>
-              <a:ea typeface="PMingLiU" pitchFamily="18" charset="-120"/>
-            </a:endParaRPr>
-          </a:p>
-          <a:p>
-            <a:pPr eaLnBrk="0" hangingPunct="0">
-              <a:lnSpc>
-                <a:spcPct val="130000"/>
-              </a:lnSpc>
-            </a:pPr>
-            <a:endParaRPr lang="zh-TW" altLang="en-US" sz="2800" b="0">
+              <a:t>definitions</a:t>
+            </a:r>
+            <a:endParaRPr lang="en-US" altLang="zh-TW" sz="2800" dirty="0" smtClean="0">
               <a:latin typeface="Times New Roman" pitchFamily="18" charset="0"/>
               <a:ea typeface="PMingLiU" pitchFamily="18" charset="-120"/>
             </a:endParaRPr>
@@ -5779,117 +6181,9 @@
           </a:p>
         </p:txBody>
       </p:sp>
-      <p:grpSp>
-        <p:nvGrpSpPr>
-          <p:cNvPr id="2" name="Group 3"/>
-          <p:cNvGrpSpPr>
-            <a:grpSpLocks/>
-          </p:cNvGrpSpPr>
-          <p:nvPr/>
-        </p:nvGrpSpPr>
-        <p:grpSpPr bwMode="auto">
-          <a:xfrm>
-            <a:off x="685800" y="990600"/>
-            <a:ext cx="7620000" cy="2414588"/>
-            <a:chOff x="432" y="624"/>
-            <a:chExt cx="4800" cy="1521"/>
-          </a:xfrm>
-        </p:grpSpPr>
-        <p:pic>
-          <p:nvPicPr>
-            <p:cNvPr id="74758" name="Picture 4" descr="map"/>
-            <p:cNvPicPr>
-              <a:picLocks noChangeAspect="1" noChangeArrowheads="1"/>
-            </p:cNvPicPr>
-            <p:nvPr/>
-          </p:nvPicPr>
-          <p:blipFill>
-            <a:blip r:embed="rId3"/>
-            <a:srcRect/>
-            <a:stretch>
-              <a:fillRect/>
-            </a:stretch>
-          </p:blipFill>
-          <p:spPr bwMode="auto">
-            <a:xfrm>
-              <a:off x="2928" y="624"/>
-              <a:ext cx="2304" cy="1521"/>
-            </a:xfrm>
-            <a:prstGeom prst="rect">
-              <a:avLst/>
-            </a:prstGeom>
-            <a:noFill/>
-            <a:ln w="9525">
-              <a:noFill/>
-              <a:miter lim="800000"/>
-              <a:headEnd/>
-              <a:tailEnd/>
-            </a:ln>
-          </p:spPr>
-        </p:pic>
-        <p:sp>
-          <p:nvSpPr>
-            <p:cNvPr id="74759" name="Text Box 5"/>
-            <p:cNvSpPr txBox="1">
-              <a:spLocks noChangeArrowheads="1"/>
-            </p:cNvSpPr>
-            <p:nvPr/>
-          </p:nvSpPr>
-          <p:spPr bwMode="auto">
-            <a:xfrm>
-              <a:off x="432" y="864"/>
-              <a:ext cx="2062" cy="291"/>
-            </a:xfrm>
-            <a:prstGeom prst="rect">
-              <a:avLst/>
-            </a:prstGeom>
-            <a:noFill/>
-            <a:ln w="9525">
-              <a:noFill/>
-              <a:miter lim="800000"/>
-              <a:headEnd/>
-              <a:tailEnd/>
-            </a:ln>
-          </p:spPr>
-          <p:txBody>
-            <a:bodyPr wrap="none">
-              <a:spAutoFit/>
-            </a:bodyPr>
-            <a:lstStyle/>
-            <a:p>
-              <a:pPr eaLnBrk="0" hangingPunct="0"/>
-              <a:r>
-                <a:rPr lang="en-US" altLang="zh-TW" sz="2400" dirty="0">
-                  <a:latin typeface="Times New Roman" pitchFamily="18" charset="0"/>
-                  <a:ea typeface="PMingLiU" pitchFamily="18" charset="-120"/>
-                </a:rPr>
-                <a:t>Domain:</a:t>
-              </a:r>
-              <a:r>
-                <a:rPr lang="en-US" altLang="zh-TW" sz="2400" b="0" dirty="0">
-                  <a:latin typeface="Times New Roman" pitchFamily="18" charset="0"/>
-                  <a:ea typeface="PMingLiU" pitchFamily="18" charset="-120"/>
-                </a:rPr>
-                <a:t> </a:t>
-              </a:r>
-              <a:r>
-                <a:rPr lang="tr-TR" altLang="zh-TW" sz="2400" b="0" dirty="0" smtClean="0">
-                  <a:latin typeface="Times New Roman" pitchFamily="18" charset="0"/>
-                  <a:ea typeface="PMingLiU" pitchFamily="18" charset="-120"/>
-                </a:rPr>
-                <a:t>family relations</a:t>
-              </a:r>
-              <a:endParaRPr lang="en-US" altLang="zh-TW" sz="2400" b="0" dirty="0">
-                <a:latin typeface="Times New Roman" pitchFamily="18" charset="0"/>
-                <a:ea typeface="PMingLiU" pitchFamily="18" charset="-120"/>
-              </a:endParaRPr>
-            </a:p>
-          </p:txBody>
-        </p:sp>
-      </p:grpSp>
-      <p:sp>
-        <p:nvSpPr>
-          <p:cNvPr id="74756" name="Text Box 6"/>
+      <p:sp>
+        <p:nvSpPr>
+          <p:cNvPr id="74759" name="Text Box 5"/>
           <p:cNvSpPr txBox="1">
             <a:spLocks noChangeArrowheads="1"/>
           </p:cNvSpPr>
@@ -5897,8 +6191,8 @@
         </p:nvSpPr>
         <p:spPr bwMode="auto">
           <a:xfrm>
-            <a:off x="685800" y="2590800"/>
-            <a:ext cx="4387850" cy="457200"/>
+            <a:off x="685800" y="1371600"/>
+            <a:ext cx="3273425" cy="461963"/>
           </a:xfrm>
           <a:prstGeom prst="rect">
             <a:avLst/>
@@ -5923,21 +6217,32 @@
                 <a:latin typeface="Times New Roman" pitchFamily="18" charset="0"/>
                 <a:ea typeface="PMingLiU" pitchFamily="18" charset="-120"/>
               </a:rPr>
-              <a:t>Application:</a:t>
+              <a:t>Domain:</a:t>
             </a:r>
             <a:r>
               <a:rPr lang="en-US" altLang="zh-TW" sz="2400" b="0" dirty="0">
                 <a:latin typeface="Times New Roman" pitchFamily="18" charset="0"/>
                 <a:ea typeface="PMingLiU" pitchFamily="18" charset="-120"/>
               </a:rPr>
-              <a:t> route planning agent</a:t>
-            </a:r>
-          </a:p>
-        </p:txBody>
-      </p:sp>
-      <p:sp>
-        <p:nvSpPr>
-          <p:cNvPr id="74757" name="Text Box 7"/>
+              <a:t> </a:t>
+            </a:r>
+            <a:r>
+              <a:rPr lang="tr-TR" altLang="zh-TW" sz="2400" b="0" dirty="0" smtClean="0">
+                <a:latin typeface="Times New Roman" pitchFamily="18" charset="0"/>
+                <a:ea typeface="PMingLiU" pitchFamily="18" charset="-120"/>
+              </a:rPr>
+              <a:t>family relations</a:t>
+            </a:r>
+            <a:endParaRPr lang="en-US" altLang="zh-TW" sz="2400" b="0" dirty="0">
+              <a:latin typeface="Times New Roman" pitchFamily="18" charset="0"/>
+              <a:ea typeface="PMingLiU" pitchFamily="18" charset="-120"/>
+            </a:endParaRPr>
+          </a:p>
+        </p:txBody>
+      </p:sp>
+      <p:sp>
+        <p:nvSpPr>
+          <p:cNvPr id="74756" name="Text Box 6"/>
           <p:cNvSpPr txBox="1">
             <a:spLocks noChangeArrowheads="1"/>
           </p:cNvSpPr>
@@ -5945,8 +6250,8 @@
         </p:nvSpPr>
         <p:spPr bwMode="auto">
           <a:xfrm>
-            <a:off x="609600" y="3505200"/>
-            <a:ext cx="6821488" cy="2282825"/>
+            <a:off x="685800" y="2590800"/>
+            <a:ext cx="4314828" cy="830997"/>
           </a:xfrm>
           <a:prstGeom prst="rect">
             <a:avLst/>
@@ -5960,76 +6265,219 @@
           </a:ln>
         </p:spPr>
         <p:txBody>
-          <a:bodyPr wrap="none">
+          <a:bodyPr wrap="square">
             <a:spAutoFit/>
           </a:bodyPr>
           <a:lstStyle/>
           <a:p>
             <a:pPr eaLnBrk="0" hangingPunct="0"/>
             <a:r>
-              <a:rPr lang="en-US" altLang="zh-TW" sz="2400">
+              <a:rPr lang="en-US" altLang="zh-TW" sz="2400" dirty="0">
                 <a:latin typeface="Times New Roman" pitchFamily="18" charset="0"/>
                 <a:ea typeface="PMingLiU" pitchFamily="18" charset="-120"/>
               </a:rPr>
-              <a:t>Possible questions:</a:t>
-            </a:r>
-            <a:r>
-              <a:rPr lang="en-US" altLang="zh-TW" sz="2400" b="0">
+              <a:t>Application:</a:t>
+            </a:r>
+            <a:r>
+              <a:rPr lang="en-US" altLang="zh-TW" sz="2400" b="0" dirty="0">
                 <a:latin typeface="Times New Roman" pitchFamily="18" charset="0"/>
                 <a:ea typeface="PMingLiU" pitchFamily="18" charset="-120"/>
               </a:rPr>
               <a:t> </a:t>
             </a:r>
-          </a:p>
-          <a:p>
-            <a:pPr eaLnBrk="0" hangingPunct="0"/>
-            <a:r>
-              <a:rPr lang="en-US" altLang="zh-TW" sz="2400" b="0">
+            <a:r>
+              <a:rPr lang="tr-TR" altLang="zh-TW" sz="2400" b="0" dirty="0" smtClean="0">
                 <a:latin typeface="Times New Roman" pitchFamily="18" charset="0"/>
                 <a:ea typeface="PMingLiU" pitchFamily="18" charset="-120"/>
               </a:rPr>
-              <a:t>      Distance between two cities?</a:t>
-            </a:r>
-          </a:p>
-          <a:p>
-            <a:pPr lvl="1" eaLnBrk="0" hangingPunct="0"/>
-            <a:r>
-              <a:rPr lang="en-US" altLang="zh-TW" sz="2400" b="0">
+              <a:t>see some family members’ relations</a:t>
+            </a:r>
+            <a:endParaRPr lang="en-US" altLang="zh-TW" sz="2400" b="0" dirty="0">
+              <a:latin typeface="Times New Roman" pitchFamily="18" charset="0"/>
+              <a:ea typeface="PMingLiU" pitchFamily="18" charset="-120"/>
+            </a:endParaRPr>
+          </a:p>
+        </p:txBody>
+      </p:sp>
+      <p:sp>
+        <p:nvSpPr>
+          <p:cNvPr id="74757" name="Text Box 7"/>
+          <p:cNvSpPr txBox="1">
+            <a:spLocks noChangeArrowheads="1"/>
+          </p:cNvSpPr>
+          <p:nvPr/>
+        </p:nvSpPr>
+        <p:spPr bwMode="auto">
+          <a:xfrm>
+            <a:off x="609600" y="3857628"/>
+            <a:ext cx="7116051" cy="2308324"/>
+          </a:xfrm>
+          <a:prstGeom prst="rect">
+            <a:avLst/>
+          </a:prstGeom>
+          <a:noFill/>
+          <a:ln w="9525">
+            <a:noFill/>
+            <a:miter lim="800000"/>
+            <a:headEnd/>
+            <a:tailEnd/>
+          </a:ln>
+        </p:spPr>
+        <p:txBody>
+          <a:bodyPr wrap="square">
+            <a:spAutoFit/>
+          </a:bodyPr>
+          <a:lstStyle/>
+          <a:p>
+            <a:pPr eaLnBrk="0" hangingPunct="0"/>
+            <a:r>
+              <a:rPr lang="en-US" altLang="zh-TW" sz="2400" dirty="0" smtClean="0">
                 <a:latin typeface="Times New Roman" pitchFamily="18" charset="0"/>
                 <a:ea typeface="PMingLiU" pitchFamily="18" charset="-120"/>
               </a:rPr>
-              <a:t>What sort of connections exist between two cities?</a:t>
-            </a:r>
-          </a:p>
-          <a:p>
-            <a:pPr lvl="1" eaLnBrk="0" hangingPunct="0"/>
-            <a:r>
-              <a:rPr lang="en-US" altLang="zh-TW" sz="2400" b="0">
+              <a:t>Possible </a:t>
+            </a:r>
+            <a:r>
+              <a:rPr lang="en-US" altLang="zh-TW" sz="2400" dirty="0">
                 <a:latin typeface="Times New Roman" pitchFamily="18" charset="0"/>
                 <a:ea typeface="PMingLiU" pitchFamily="18" charset="-120"/>
               </a:rPr>
-              <a:t>In which country is a city?</a:t>
-            </a:r>
-          </a:p>
-          <a:p>
-            <a:pPr lvl="1" eaLnBrk="0" hangingPunct="0"/>
-            <a:r>
-              <a:rPr lang="en-US" altLang="zh-TW" sz="2400" b="0">
+              <a:t>questions:</a:t>
+            </a:r>
+            <a:r>
+              <a:rPr lang="en-US" altLang="zh-TW" sz="2400" b="0" dirty="0">
                 <a:latin typeface="Times New Roman" pitchFamily="18" charset="0"/>
                 <a:ea typeface="PMingLiU" pitchFamily="18" charset="-120"/>
               </a:rPr>
-              <a:t>How many borders are crossed?</a:t>
-            </a:r>
-          </a:p>
-          <a:p>
-            <a:pPr lvl="1" eaLnBrk="0" hangingPunct="0"/>
-            <a:endParaRPr lang="zh-TW" altLang="en-US" sz="2400" b="0">
+              <a:t> </a:t>
+            </a:r>
+          </a:p>
+          <a:p>
+            <a:pPr eaLnBrk="0" hangingPunct="0"/>
+            <a:r>
+              <a:rPr lang="en-US" altLang="zh-TW" sz="2400" b="0" dirty="0">
+                <a:latin typeface="Times New Roman" pitchFamily="18" charset="0"/>
+                <a:ea typeface="PMingLiU" pitchFamily="18" charset="-120"/>
+              </a:rPr>
+              <a:t>      </a:t>
+            </a:r>
+            <a:r>
+              <a:rPr lang="tr-TR" altLang="zh-TW" sz="2400" b="0" dirty="0" smtClean="0">
+                <a:latin typeface="Times New Roman" pitchFamily="18" charset="0"/>
+                <a:ea typeface="PMingLiU" pitchFamily="18" charset="-120"/>
+              </a:rPr>
+              <a:t>Is this person has a sibling</a:t>
+            </a:r>
+            <a:r>
+              <a:rPr lang="en-US" altLang="zh-TW" sz="2400" b="0" dirty="0" smtClean="0">
+                <a:latin typeface="Times New Roman" pitchFamily="18" charset="0"/>
+                <a:ea typeface="PMingLiU" pitchFamily="18" charset="-120"/>
+              </a:rPr>
+              <a:t>?</a:t>
+            </a:r>
+            <a:endParaRPr lang="en-US" altLang="zh-TW" sz="2400" b="0" dirty="0">
               <a:latin typeface="Times New Roman" pitchFamily="18" charset="0"/>
               <a:ea typeface="PMingLiU" pitchFamily="18" charset="-120"/>
             </a:endParaRPr>
           </a:p>
-        </p:txBody>
-      </p:sp>
+          <a:p>
+            <a:pPr lvl="1" eaLnBrk="0" hangingPunct="0"/>
+            <a:r>
+              <a:rPr lang="tr-TR" altLang="zh-TW" sz="2400" b="0" dirty="0" smtClean="0">
+                <a:latin typeface="Times New Roman" pitchFamily="18" charset="0"/>
+                <a:ea typeface="PMingLiU" pitchFamily="18" charset="-120"/>
+              </a:rPr>
+              <a:t>Give the nieces/nephews of this person (if exist)</a:t>
+            </a:r>
+            <a:r>
+              <a:rPr lang="en-US" altLang="zh-TW" sz="2400" b="0" dirty="0" smtClean="0">
+                <a:latin typeface="Times New Roman" pitchFamily="18" charset="0"/>
+                <a:ea typeface="PMingLiU" pitchFamily="18" charset="-120"/>
+              </a:rPr>
+              <a:t>?</a:t>
+            </a:r>
+            <a:endParaRPr lang="en-US" altLang="zh-TW" sz="2400" b="0" dirty="0">
+              <a:latin typeface="Times New Roman" pitchFamily="18" charset="0"/>
+              <a:ea typeface="PMingLiU" pitchFamily="18" charset="-120"/>
+            </a:endParaRPr>
+          </a:p>
+          <a:p>
+            <a:pPr lvl="1" eaLnBrk="0" hangingPunct="0"/>
+            <a:r>
+              <a:rPr lang="tr-TR" altLang="zh-TW" sz="2400" b="0" dirty="0" smtClean="0">
+                <a:latin typeface="Times New Roman" pitchFamily="18" charset="0"/>
+                <a:ea typeface="PMingLiU" pitchFamily="18" charset="-120"/>
+              </a:rPr>
+              <a:t>Is this person the parent of that one</a:t>
+            </a:r>
+            <a:r>
+              <a:rPr lang="en-US" altLang="zh-TW" sz="2400" b="0" dirty="0" smtClean="0">
+                <a:latin typeface="Times New Roman" pitchFamily="18" charset="0"/>
+                <a:ea typeface="PMingLiU" pitchFamily="18" charset="-120"/>
+              </a:rPr>
+              <a:t>?</a:t>
+            </a:r>
+            <a:endParaRPr lang="en-US" altLang="zh-TW" sz="2400" b="0" dirty="0">
+              <a:latin typeface="Times New Roman" pitchFamily="18" charset="0"/>
+              <a:ea typeface="PMingLiU" pitchFamily="18" charset="-120"/>
+            </a:endParaRPr>
+          </a:p>
+          <a:p>
+            <a:pPr lvl="1" eaLnBrk="0" hangingPunct="0"/>
+            <a:r>
+              <a:rPr lang="tr-TR" altLang="zh-TW" sz="2400" dirty="0" smtClean="0">
+                <a:latin typeface="Times New Roman" pitchFamily="18" charset="0"/>
+                <a:ea typeface="PMingLiU" pitchFamily="18" charset="-120"/>
+              </a:rPr>
+              <a:t>Is this person and that one are relative to each other</a:t>
+            </a:r>
+            <a:r>
+              <a:rPr lang="en-US" altLang="zh-TW" sz="2400" b="0" dirty="0" smtClean="0">
+                <a:latin typeface="Times New Roman" pitchFamily="18" charset="0"/>
+                <a:ea typeface="PMingLiU" pitchFamily="18" charset="-120"/>
+              </a:rPr>
+              <a:t>?</a:t>
+            </a:r>
+            <a:endParaRPr lang="en-US" altLang="zh-TW" sz="2400" b="0" dirty="0">
+              <a:latin typeface="Times New Roman" pitchFamily="18" charset="0"/>
+              <a:ea typeface="PMingLiU" pitchFamily="18" charset="-120"/>
+            </a:endParaRPr>
+          </a:p>
+          <a:p>
+            <a:pPr lvl="1" eaLnBrk="0" hangingPunct="0"/>
+            <a:endParaRPr lang="zh-TW" altLang="en-US" sz="2400" b="0" dirty="0">
+              <a:latin typeface="Times New Roman" pitchFamily="18" charset="0"/>
+              <a:ea typeface="PMingLiU" pitchFamily="18" charset="-120"/>
+            </a:endParaRPr>
+          </a:p>
+        </p:txBody>
+      </p:sp>
+      <p:pic>
+        <p:nvPicPr>
+          <p:cNvPr id="1026" name="Picture 2" descr="C:\Documents and Settings\hturksoy\Belgelerim\Resimlerim\family.jpg"/>
+          <p:cNvPicPr>
+            <a:picLocks noChangeAspect="1" noChangeArrowheads="1"/>
+          </p:cNvPicPr>
+          <p:nvPr/>
+        </p:nvPicPr>
+        <p:blipFill>
+          <a:blip r:embed="rId3"/>
+          <a:srcRect/>
+          <a:stretch>
+            <a:fillRect/>
+          </a:stretch>
+        </p:blipFill>
+        <p:spPr bwMode="auto">
+          <a:xfrm>
+            <a:off x="5286380" y="1071546"/>
+            <a:ext cx="2865708" cy="2500330"/>
+          </a:xfrm>
+          <a:prstGeom prst="rect">
+            <a:avLst/>
+          </a:prstGeom>
+          <a:noFill/>
+        </p:spPr>
+      </p:pic>
     </p:spTree>
   </p:cSld>
   <p:clrMapOvr>
@@ -6094,7 +6542,7 @@
           <a:p>
             <a:pPr eaLnBrk="0" hangingPunct="0"/>
             <a:r>
-              <a:rPr lang="en-US" altLang="zh-TW" sz="3600" b="0">
+              <a:rPr lang="en-US" altLang="zh-TW" sz="3600" b="0" dirty="0">
                 <a:ea typeface="PMingLiU" pitchFamily="18" charset="-120"/>
                 <a:cs typeface="Arial" charset="0"/>
               </a:rPr>
@@ -6113,10 +6561,10 @@
         </p:nvGrpSpPr>
         <p:grpSpPr bwMode="auto">
           <a:xfrm>
-            <a:off x="304800" y="1752600"/>
-            <a:ext cx="8024813" cy="4419600"/>
-            <a:chOff x="192" y="1104"/>
-            <a:chExt cx="5055" cy="2784"/>
+            <a:off x="714375" y="1752600"/>
+            <a:ext cx="7808913" cy="4424363"/>
+            <a:chOff x="450" y="1104"/>
+            <a:chExt cx="4919" cy="2787"/>
           </a:xfrm>
         </p:grpSpPr>
         <p:sp>
@@ -6130,7 +6578,7 @@
           <p:spPr bwMode="auto">
             <a:xfrm>
               <a:off x="3696" y="1728"/>
-              <a:ext cx="702" cy="288"/>
+              <a:ext cx="504" cy="291"/>
             </a:xfrm>
             <a:prstGeom prst="rect">
               <a:avLst/>
@@ -6151,12 +6599,16 @@
             <a:p>
               <a:pPr eaLnBrk="0" hangingPunct="0"/>
               <a:r>
-                <a:rPr lang="en-US" altLang="zh-TW" sz="2400" b="0">
+                <a:rPr lang="tr-TR" altLang="zh-TW" sz="2400" b="0" dirty="0" smtClean="0">
                   <a:latin typeface="Times New Roman" pitchFamily="18" charset="0"/>
                   <a:ea typeface="PMingLiU" pitchFamily="18" charset="-120"/>
                 </a:rPr>
-                <a:t>country</a:t>
+                <a:t>Aunt</a:t>
               </a:r>
+              <a:endParaRPr lang="en-US" altLang="zh-TW" sz="2400" b="0" dirty="0">
+                <a:latin typeface="Times New Roman" pitchFamily="18" charset="0"/>
+                <a:ea typeface="PMingLiU" pitchFamily="18" charset="-120"/>
+              </a:endParaRPr>
             </a:p>
           </p:txBody>
         </p:sp>
@@ -6171,7 +6623,7 @@
           <p:spPr bwMode="auto">
             <a:xfrm>
               <a:off x="2832" y="1104"/>
-              <a:ext cx="403" cy="288"/>
+              <a:ext cx="472" cy="291"/>
             </a:xfrm>
             <a:prstGeom prst="rect">
               <a:avLst/>
@@ -6192,12 +6644,16 @@
             <a:p>
               <a:pPr eaLnBrk="0" hangingPunct="0"/>
               <a:r>
-                <a:rPr lang="en-US" altLang="zh-TW" sz="2400" b="0">
+                <a:rPr lang="tr-TR" altLang="zh-TW" sz="2400" dirty="0" smtClean="0">
                   <a:latin typeface="Times New Roman" pitchFamily="18" charset="0"/>
                   <a:ea typeface="PMingLiU" pitchFamily="18" charset="-120"/>
                 </a:rPr>
-                <a:t>city</a:t>
+                <a:t>Man</a:t>
               </a:r>
+              <a:endParaRPr lang="en-US" altLang="zh-TW" sz="2400" b="0" dirty="0">
+                <a:latin typeface="Times New Roman" pitchFamily="18" charset="0"/>
+                <a:ea typeface="PMingLiU" pitchFamily="18" charset="-120"/>
+              </a:endParaRPr>
             </a:p>
           </p:txBody>
         </p:sp>
@@ -6212,7 +6668,7 @@
           <p:spPr bwMode="auto">
             <a:xfrm>
               <a:off x="4224" y="1152"/>
-              <a:ext cx="626" cy="288"/>
+              <a:ext cx="714" cy="291"/>
             </a:xfrm>
             <a:prstGeom prst="rect">
               <a:avLst/>
@@ -6233,12 +6689,16 @@
             <a:p>
               <a:pPr eaLnBrk="0" hangingPunct="0"/>
               <a:r>
-                <a:rPr lang="en-US" altLang="zh-TW" sz="2400" b="0">
+                <a:rPr lang="tr-TR" altLang="zh-TW" sz="2400" b="0" dirty="0" smtClean="0">
                   <a:latin typeface="Times New Roman" pitchFamily="18" charset="0"/>
                   <a:ea typeface="PMingLiU" pitchFamily="18" charset="-120"/>
                 </a:rPr>
-                <a:t>capital</a:t>
+                <a:t>Woman</a:t>
               </a:r>
+              <a:endParaRPr lang="en-US" altLang="zh-TW" sz="2400" b="0" dirty="0">
+                <a:latin typeface="Times New Roman" pitchFamily="18" charset="0"/>
+                <a:ea typeface="PMingLiU" pitchFamily="18" charset="-120"/>
+              </a:endParaRPr>
             </a:p>
           </p:txBody>
         </p:sp>
@@ -6253,7 +6713,7 @@
           <p:spPr bwMode="auto">
             <a:xfrm>
               <a:off x="864" y="1920"/>
-              <a:ext cx="617" cy="288"/>
+              <a:ext cx="514" cy="291"/>
             </a:xfrm>
             <a:prstGeom prst="rect">
               <a:avLst/>
@@ -6274,12 +6734,16 @@
             <a:p>
               <a:pPr eaLnBrk="0" hangingPunct="0"/>
               <a:r>
-                <a:rPr lang="en-US" altLang="zh-TW" sz="2400" b="0">
+                <a:rPr lang="tr-TR" altLang="zh-TW" sz="2400" b="0" dirty="0" smtClean="0">
                   <a:latin typeface="Times New Roman" pitchFamily="18" charset="0"/>
                   <a:ea typeface="PMingLiU" pitchFamily="18" charset="-120"/>
                 </a:rPr>
-                <a:t>border</a:t>
+                <a:t>Male</a:t>
               </a:r>
+              <a:endParaRPr lang="en-US" altLang="zh-TW" sz="2400" b="0" dirty="0">
+                <a:latin typeface="Times New Roman" pitchFamily="18" charset="0"/>
+                <a:ea typeface="PMingLiU" pitchFamily="18" charset="-120"/>
+              </a:endParaRPr>
             </a:p>
           </p:txBody>
         </p:sp>
@@ -6294,7 +6758,7 @@
           <p:spPr bwMode="auto">
             <a:xfrm>
               <a:off x="2496" y="3600"/>
-              <a:ext cx="957" cy="288"/>
+              <a:ext cx="558" cy="291"/>
             </a:xfrm>
             <a:prstGeom prst="rect">
               <a:avLst/>
@@ -6315,12 +6779,16 @@
             <a:p>
               <a:pPr eaLnBrk="0" hangingPunct="0"/>
               <a:r>
-                <a:rPr lang="en-US" altLang="zh-TW" sz="2400" b="0">
+                <a:rPr lang="tr-TR" altLang="zh-TW" sz="2400" b="0" dirty="0" smtClean="0">
                   <a:latin typeface="Times New Roman" pitchFamily="18" charset="0"/>
                   <a:ea typeface="PMingLiU" pitchFamily="18" charset="-120"/>
                 </a:rPr>
-                <a:t>connection</a:t>
+                <a:t>Sister</a:t>
               </a:r>
+              <a:endParaRPr lang="en-US" altLang="zh-TW" sz="2400" b="0" dirty="0">
+                <a:latin typeface="Times New Roman" pitchFamily="18" charset="0"/>
+                <a:ea typeface="PMingLiU" pitchFamily="18" charset="-120"/>
+              </a:endParaRPr>
             </a:p>
           </p:txBody>
         </p:sp>
@@ -6335,7 +6803,7 @@
           <p:spPr bwMode="auto">
             <a:xfrm>
               <a:off x="624" y="1344"/>
-              <a:ext cx="1714" cy="288"/>
+              <a:ext cx="644" cy="291"/>
             </a:xfrm>
             <a:prstGeom prst="rect">
               <a:avLst/>
@@ -6356,12 +6824,16 @@
             <a:p>
               <a:pPr eaLnBrk="0" hangingPunct="0"/>
               <a:r>
-                <a:rPr lang="en-US" altLang="zh-TW" sz="2400" b="0">
+                <a:rPr lang="tr-TR" altLang="zh-TW" sz="2400" b="0" dirty="0" smtClean="0">
                   <a:latin typeface="Times New Roman" pitchFamily="18" charset="0"/>
                   <a:ea typeface="PMingLiU" pitchFamily="18" charset="-120"/>
                 </a:rPr>
-                <a:t>Connection_on_land</a:t>
+                <a:t>Person</a:t>
               </a:r>
+              <a:endParaRPr lang="en-US" altLang="zh-TW" sz="2400" b="0" dirty="0">
+                <a:latin typeface="Times New Roman" pitchFamily="18" charset="0"/>
+                <a:ea typeface="PMingLiU" pitchFamily="18" charset="-120"/>
+              </a:endParaRPr>
             </a:p>
           </p:txBody>
         </p:sp>
@@ -6376,7 +6848,7 @@
           <p:spPr bwMode="auto">
             <a:xfrm>
               <a:off x="3600" y="3360"/>
-              <a:ext cx="1543" cy="288"/>
+              <a:ext cx="708" cy="291"/>
             </a:xfrm>
             <a:prstGeom prst="rect">
               <a:avLst/>
@@ -6397,12 +6869,16 @@
             <a:p>
               <a:pPr eaLnBrk="0" hangingPunct="0"/>
               <a:r>
-                <a:rPr lang="en-US" altLang="zh-TW" sz="2400" b="0">
+                <a:rPr lang="tr-TR" altLang="zh-TW" sz="2400" b="0" dirty="0" smtClean="0">
                   <a:latin typeface="Times New Roman" pitchFamily="18" charset="0"/>
                   <a:ea typeface="PMingLiU" pitchFamily="18" charset="-120"/>
                 </a:rPr>
-                <a:t>Connection_in_air</a:t>
+                <a:t>Brother</a:t>
               </a:r>
+              <a:endParaRPr lang="en-US" altLang="zh-TW" sz="2400" b="0" dirty="0">
+                <a:latin typeface="Times New Roman" pitchFamily="18" charset="0"/>
+                <a:ea typeface="PMingLiU" pitchFamily="18" charset="-120"/>
+              </a:endParaRPr>
             </a:p>
           </p:txBody>
         </p:sp>
@@ -6416,8 +6892,8 @@
           </p:nvSpPr>
           <p:spPr bwMode="auto">
             <a:xfrm>
-              <a:off x="192" y="2880"/>
-              <a:ext cx="1810" cy="288"/>
+              <a:off x="450" y="2925"/>
+              <a:ext cx="686" cy="291"/>
             </a:xfrm>
             <a:prstGeom prst="rect">
               <a:avLst/>
@@ -6438,12 +6914,16 @@
             <a:p>
               <a:pPr eaLnBrk="0" hangingPunct="0"/>
               <a:r>
-                <a:rPr lang="en-US" altLang="zh-TW" sz="2400" b="0">
+                <a:rPr lang="tr-TR" altLang="zh-TW" sz="2400" b="0" dirty="0" smtClean="0">
                   <a:latin typeface="Times New Roman" pitchFamily="18" charset="0"/>
                   <a:ea typeface="PMingLiU" pitchFamily="18" charset="-120"/>
                 </a:rPr>
-                <a:t>Connection_on_water</a:t>
+                <a:t>Female</a:t>
               </a:r>
+              <a:endParaRPr lang="en-US" altLang="zh-TW" sz="2400" b="0" dirty="0">
+                <a:latin typeface="Times New Roman" pitchFamily="18" charset="0"/>
+                <a:ea typeface="PMingLiU" pitchFamily="18" charset="-120"/>
+              </a:endParaRPr>
             </a:p>
           </p:txBody>
         </p:sp>
@@ -6458,7 +6938,7 @@
           <p:spPr bwMode="auto">
             <a:xfrm>
               <a:off x="4790" y="2042"/>
-              <a:ext cx="457" cy="288"/>
+              <a:ext cx="579" cy="291"/>
             </a:xfrm>
             <a:prstGeom prst="rect">
               <a:avLst/>
@@ -6479,12 +6959,16 @@
             <a:p>
               <a:pPr eaLnBrk="0" hangingPunct="0"/>
               <a:r>
-                <a:rPr lang="en-US" altLang="zh-TW" sz="2400" b="0">
+                <a:rPr lang="tr-TR" altLang="zh-TW" sz="2400" b="0" dirty="0" smtClean="0">
                   <a:latin typeface="Times New Roman" pitchFamily="18" charset="0"/>
                   <a:ea typeface="PMingLiU" pitchFamily="18" charset="-120"/>
                 </a:rPr>
-                <a:t>road</a:t>
+                <a:t>Uncle</a:t>
               </a:r>
+              <a:endParaRPr lang="en-US" altLang="zh-TW" sz="2400" b="0" dirty="0">
+                <a:latin typeface="Times New Roman" pitchFamily="18" charset="0"/>
+                <a:ea typeface="PMingLiU" pitchFamily="18" charset="-120"/>
+              </a:endParaRPr>
             </a:p>
           </p:txBody>
         </p:sp>
@@ -6520,12 +7004,16 @@
             <a:p>
               <a:pPr eaLnBrk="0" hangingPunct="0"/>
               <a:r>
-                <a:rPr lang="en-US" altLang="zh-TW" sz="2400" b="0">
+                <a:rPr lang="tr-TR" altLang="zh-TW" sz="2400" b="0" dirty="0" smtClean="0">
                   <a:latin typeface="Times New Roman" pitchFamily="18" charset="0"/>
                   <a:ea typeface="PMingLiU" pitchFamily="18" charset="-120"/>
                 </a:rPr>
-                <a:t>railway</a:t>
+                <a:t>Sibling</a:t>
               </a:r>
+              <a:endParaRPr lang="en-US" altLang="zh-TW" sz="2400" b="0" dirty="0">
+                <a:latin typeface="Times New Roman" pitchFamily="18" charset="0"/>
+                <a:ea typeface="PMingLiU" pitchFamily="18" charset="-120"/>
+              </a:endParaRPr>
             </a:p>
           </p:txBody>
         </p:sp>
@@ -6540,7 +7028,7 @@
           <p:spPr bwMode="auto">
             <a:xfrm>
               <a:off x="1008" y="3360"/>
-              <a:ext cx="787" cy="288"/>
+              <a:ext cx="794" cy="291"/>
             </a:xfrm>
             <a:prstGeom prst="rect">
               <a:avLst/>
@@ -6561,12 +7049,16 @@
             <a:p>
               <a:pPr eaLnBrk="0" hangingPunct="0"/>
               <a:r>
-                <a:rPr lang="en-US" altLang="zh-TW" sz="2400" b="0">
+                <a:rPr lang="tr-TR" altLang="zh-TW" sz="2400" b="0" dirty="0" smtClean="0">
                   <a:latin typeface="Times New Roman" pitchFamily="18" charset="0"/>
                   <a:ea typeface="PMingLiU" pitchFamily="18" charset="-120"/>
                 </a:rPr>
-                <a:t>currency</a:t>
+                <a:t>Children</a:t>
               </a:r>
+              <a:endParaRPr lang="en-US" altLang="zh-TW" sz="2400" b="0" dirty="0">
+                <a:latin typeface="Times New Roman" pitchFamily="18" charset="0"/>
+                <a:ea typeface="PMingLiU" pitchFamily="18" charset="-120"/>
+              </a:endParaRPr>
             </a:p>
           </p:txBody>
         </p:sp>
@@ -6614,6 +7106,231 @@
           </a:ln>
         </p:spPr>
       </p:pic>
+      <p:sp>
+        <p:nvSpPr>
+          <p:cNvPr id="16" name="Text Box 5"/>
+          <p:cNvSpPr txBox="1">
+            <a:spLocks noChangeArrowheads="1"/>
+          </p:cNvSpPr>
+          <p:nvPr/>
+        </p:nvSpPr>
+        <p:spPr bwMode="auto">
+          <a:xfrm>
+            <a:off x="2643174" y="2071678"/>
+            <a:ext cx="1210588" cy="461665"/>
+          </a:xfrm>
+          <a:prstGeom prst="rect">
+            <a:avLst/>
+          </a:prstGeom>
+          <a:noFill/>
+          <a:ln w="9525">
+            <a:noFill/>
+            <a:miter lim="800000"/>
+            <a:headEnd/>
+            <a:tailEnd/>
+          </a:ln>
+        </p:spPr>
+        <p:txBody>
+          <a:bodyPr wrap="none">
+            <a:spAutoFit/>
+          </a:bodyPr>
+          <a:lstStyle/>
+          <a:p>
+            <a:pPr eaLnBrk="0" hangingPunct="0"/>
+            <a:r>
+              <a:rPr lang="tr-TR" altLang="zh-TW" sz="2400" dirty="0" smtClean="0">
+                <a:latin typeface="Times New Roman" pitchFamily="18" charset="0"/>
+                <a:ea typeface="PMingLiU" pitchFamily="18" charset="-120"/>
+              </a:rPr>
+              <a:t>Nephew</a:t>
+            </a:r>
+            <a:endParaRPr lang="en-US" altLang="zh-TW" sz="2400" b="0" dirty="0">
+              <a:latin typeface="Times New Roman" pitchFamily="18" charset="0"/>
+              <a:ea typeface="PMingLiU" pitchFamily="18" charset="-120"/>
+            </a:endParaRPr>
+          </a:p>
+        </p:txBody>
+      </p:sp>
+      <p:sp>
+        <p:nvSpPr>
+          <p:cNvPr id="17" name="Text Box 5"/>
+          <p:cNvSpPr txBox="1">
+            <a:spLocks noChangeArrowheads="1"/>
+          </p:cNvSpPr>
+          <p:nvPr/>
+        </p:nvSpPr>
+        <p:spPr bwMode="auto">
+          <a:xfrm>
+            <a:off x="1785918" y="3929066"/>
+            <a:ext cx="901209" cy="461665"/>
+          </a:xfrm>
+          <a:prstGeom prst="rect">
+            <a:avLst/>
+          </a:prstGeom>
+          <a:noFill/>
+          <a:ln w="9525">
+            <a:noFill/>
+            <a:miter lim="800000"/>
+            <a:headEnd/>
+            <a:tailEnd/>
+          </a:ln>
+        </p:spPr>
+        <p:txBody>
+          <a:bodyPr wrap="none">
+            <a:spAutoFit/>
+          </a:bodyPr>
+          <a:lstStyle/>
+          <a:p>
+            <a:pPr eaLnBrk="0" hangingPunct="0"/>
+            <a:r>
+              <a:rPr lang="tr-TR" altLang="zh-TW" sz="2400" dirty="0" smtClean="0">
+                <a:latin typeface="Times New Roman" pitchFamily="18" charset="0"/>
+                <a:ea typeface="PMingLiU" pitchFamily="18" charset="-120"/>
+              </a:rPr>
+              <a:t>Niece</a:t>
+            </a:r>
+            <a:endParaRPr lang="en-US" altLang="zh-TW" sz="2400" b="0" dirty="0">
+              <a:latin typeface="Times New Roman" pitchFamily="18" charset="0"/>
+              <a:ea typeface="PMingLiU" pitchFamily="18" charset="-120"/>
+            </a:endParaRPr>
+          </a:p>
+        </p:txBody>
+      </p:sp>
+      <p:sp>
+        <p:nvSpPr>
+          <p:cNvPr id="18" name="Text Box 5"/>
+          <p:cNvSpPr txBox="1">
+            <a:spLocks noChangeArrowheads="1"/>
+          </p:cNvSpPr>
+          <p:nvPr/>
+        </p:nvSpPr>
+        <p:spPr bwMode="auto">
+          <a:xfrm>
+            <a:off x="2786050" y="4572008"/>
+            <a:ext cx="663964" cy="461665"/>
+          </a:xfrm>
+          <a:prstGeom prst="rect">
+            <a:avLst/>
+          </a:prstGeom>
+          <a:noFill/>
+          <a:ln w="9525">
+            <a:noFill/>
+            <a:miter lim="800000"/>
+            <a:headEnd/>
+            <a:tailEnd/>
+          </a:ln>
+        </p:spPr>
+        <p:txBody>
+          <a:bodyPr wrap="none">
+            <a:spAutoFit/>
+          </a:bodyPr>
+          <a:lstStyle/>
+          <a:p>
+            <a:pPr eaLnBrk="0" hangingPunct="0"/>
+            <a:r>
+              <a:rPr lang="tr-TR" altLang="zh-TW" sz="2400" dirty="0" smtClean="0">
+                <a:latin typeface="Times New Roman" pitchFamily="18" charset="0"/>
+                <a:ea typeface="PMingLiU" pitchFamily="18" charset="-120"/>
+              </a:rPr>
+              <a:t>Son</a:t>
+            </a:r>
+            <a:endParaRPr lang="en-US" altLang="zh-TW" sz="2400" b="0" dirty="0">
+              <a:latin typeface="Times New Roman" pitchFamily="18" charset="0"/>
+              <a:ea typeface="PMingLiU" pitchFamily="18" charset="-120"/>
+            </a:endParaRPr>
+          </a:p>
+        </p:txBody>
+      </p:sp>
+      <p:sp>
+        <p:nvSpPr>
+          <p:cNvPr id="19" name="TextBox 18"/>
+          <p:cNvSpPr txBox="1"/>
+          <p:nvPr/>
+        </p:nvSpPr>
+        <p:spPr>
+          <a:xfrm>
+            <a:off x="2000232" y="1500174"/>
+            <a:ext cx="1058495" cy="369332"/>
+          </a:xfrm>
+          <a:prstGeom prst="rect">
+            <a:avLst/>
+          </a:prstGeom>
+          <a:noFill/>
+        </p:spPr>
+        <p:txBody>
+          <a:bodyPr wrap="none" rtlCol="0">
+            <a:spAutoFit/>
+          </a:bodyPr>
+          <a:lstStyle/>
+          <a:p>
+            <a:r>
+              <a:rPr lang="tr-TR" dirty="0" smtClean="0"/>
+              <a:t>Daughter</a:t>
+            </a:r>
+            <a:endParaRPr lang="tr-TR" dirty="0" smtClean="0"/>
+          </a:p>
+        </p:txBody>
+      </p:sp>
+      <p:sp>
+        <p:nvSpPr>
+          <p:cNvPr id="20" name="TextBox 19"/>
+          <p:cNvSpPr txBox="1"/>
+          <p:nvPr/>
+        </p:nvSpPr>
+        <p:spPr>
+          <a:xfrm>
+            <a:off x="6429388" y="3643314"/>
+            <a:ext cx="787075" cy="369332"/>
+          </a:xfrm>
+          <a:prstGeom prst="rect">
+            <a:avLst/>
+          </a:prstGeom>
+          <a:noFill/>
+        </p:spPr>
+        <p:txBody>
+          <a:bodyPr wrap="none" rtlCol="0">
+            <a:spAutoFit/>
+          </a:bodyPr>
+          <a:lstStyle/>
+          <a:p>
+            <a:r>
+              <a:rPr lang="tr-TR" dirty="0" smtClean="0"/>
+              <a:t>Father</a:t>
+            </a:r>
+            <a:endParaRPr lang="tr-TR" dirty="0"/>
+          </a:p>
+        </p:txBody>
+      </p:sp>
+      <p:sp>
+        <p:nvSpPr>
+          <p:cNvPr id="21" name="TextBox 20"/>
+          <p:cNvSpPr txBox="1"/>
+          <p:nvPr/>
+        </p:nvSpPr>
+        <p:spPr>
+          <a:xfrm>
+            <a:off x="5429256" y="1357298"/>
+            <a:ext cx="928694" cy="369332"/>
+          </a:xfrm>
+          <a:prstGeom prst="rect">
+            <a:avLst/>
+          </a:prstGeom>
+          <a:noFill/>
+        </p:spPr>
+        <p:txBody>
+          <a:bodyPr wrap="square" rtlCol="0">
+            <a:spAutoFit/>
+          </a:bodyPr>
+          <a:lstStyle/>
+          <a:p>
+            <a:r>
+              <a:rPr lang="tr-TR" dirty="0" smtClean="0"/>
+              <a:t>Mother</a:t>
+            </a:r>
+            <a:endParaRPr lang="tr-TR" dirty="0"/>
+          </a:p>
+        </p:txBody>
+      </p:sp>
     </p:spTree>
   </p:cSld>
   <p:clrMapOvr>
@@ -6630,6 +7347,925 @@
 </file>
 
 <file path=ppt/slides/slide6.xml><?xml version="1.0" encoding="utf-8"?>
+<p:sld xmlns:a="http://schemas.openxmlformats.org/drawingml/2006/main" xmlns:r="http://schemas.openxmlformats.org/officeDocument/2006/relationships" xmlns:p="http://schemas.openxmlformats.org/presentationml/2006/main">
+  <p:cSld>
+    <p:spTree>
+      <p:nvGrpSpPr>
+        <p:cNvPr id="1" name=""/>
+        <p:cNvGrpSpPr/>
+        <p:nvPr/>
+      </p:nvGrpSpPr>
+      <p:grpSpPr>
+        <a:xfrm>
+          <a:off x="0" y="0"/>
+          <a:ext cx="0" cy="0"/>
+          <a:chOff x="0" y="0"/>
+          <a:chExt cx="0" cy="0"/>
+        </a:xfrm>
+      </p:grpSpPr>
+      <p:sp>
+        <p:nvSpPr>
+          <p:cNvPr id="2" name="Title 1"/>
+          <p:cNvSpPr>
+            <a:spLocks noGrp="1"/>
+          </p:cNvSpPr>
+          <p:nvPr>
+            <p:ph type="title"/>
+          </p:nvPr>
+        </p:nvSpPr>
+        <p:spPr/>
+        <p:txBody>
+          <a:bodyPr>
+            <a:normAutofit/>
+          </a:bodyPr>
+          <a:lstStyle/>
+          <a:p>
+            <a:r>
+              <a:rPr lang="en-US" altLang="zh-TW" dirty="0" smtClean="0">
+                <a:ea typeface="PMingLiU" pitchFamily="18" charset="-120"/>
+                <a:cs typeface="Arial" charset="0"/>
+              </a:rPr>
+              <a:t>Step </a:t>
+            </a:r>
+            <a:r>
+              <a:rPr lang="tr-TR" altLang="zh-TW" dirty="0" smtClean="0">
+                <a:ea typeface="PMingLiU" pitchFamily="18" charset="-120"/>
+                <a:cs typeface="Arial" charset="0"/>
+              </a:rPr>
+              <a:t>3:</a:t>
+            </a:r>
+            <a:r>
+              <a:rPr lang="en-US" altLang="zh-TW" dirty="0" smtClean="0">
+                <a:ea typeface="PMingLiU" pitchFamily="18" charset="-120"/>
+                <a:cs typeface="Arial" charset="0"/>
+              </a:rPr>
+              <a:t> </a:t>
+            </a:r>
+            <a:r>
+              <a:rPr lang="tr-TR" altLang="zh-TW" dirty="0" smtClean="0">
+                <a:ea typeface="PMingLiU" pitchFamily="18" charset="-120"/>
+                <a:cs typeface="Arial" charset="0"/>
+              </a:rPr>
+              <a:t>Organize the Terms</a:t>
+            </a:r>
+            <a:endParaRPr lang="tr-TR" dirty="0"/>
+          </a:p>
+        </p:txBody>
+      </p:sp>
+      <p:sp>
+        <p:nvSpPr>
+          <p:cNvPr id="3" name="Content Placeholder 2"/>
+          <p:cNvSpPr>
+            <a:spLocks noGrp="1"/>
+          </p:cNvSpPr>
+          <p:nvPr>
+            <p:ph idx="1"/>
+          </p:nvPr>
+        </p:nvSpPr>
+        <p:spPr>
+          <a:xfrm>
+            <a:off x="457200" y="1600200"/>
+            <a:ext cx="2900354" cy="4525963"/>
+          </a:xfrm>
+        </p:spPr>
+        <p:txBody>
+          <a:bodyPr>
+            <a:normAutofit fontScale="62500" lnSpcReduction="20000"/>
+          </a:bodyPr>
+          <a:lstStyle/>
+          <a:p>
+            <a:r>
+              <a:rPr lang="tr-TR" dirty="0" smtClean="0"/>
+              <a:t>Gender</a:t>
+            </a:r>
+          </a:p>
+          <a:p>
+            <a:pPr lvl="1"/>
+            <a:r>
+              <a:rPr lang="tr-TR" dirty="0" smtClean="0"/>
+              <a:t>Male</a:t>
+            </a:r>
+          </a:p>
+          <a:p>
+            <a:pPr lvl="1"/>
+            <a:r>
+              <a:rPr lang="tr-TR" dirty="0" smtClean="0"/>
+              <a:t>Female</a:t>
+            </a:r>
+          </a:p>
+          <a:p>
+            <a:r>
+              <a:rPr lang="tr-TR" dirty="0" smtClean="0"/>
+              <a:t>Person</a:t>
+            </a:r>
+          </a:p>
+          <a:p>
+            <a:pPr lvl="1"/>
+            <a:r>
+              <a:rPr lang="tr-TR" dirty="0" smtClean="0"/>
+              <a:t>Child</a:t>
+            </a:r>
+          </a:p>
+          <a:p>
+            <a:pPr lvl="2"/>
+            <a:r>
+              <a:rPr lang="tr-TR" dirty="0" smtClean="0"/>
+              <a:t>Son</a:t>
+            </a:r>
+          </a:p>
+          <a:p>
+            <a:pPr lvl="2"/>
+            <a:r>
+              <a:rPr lang="tr-TR" dirty="0" smtClean="0"/>
+              <a:t>Daughter</a:t>
+            </a:r>
+          </a:p>
+          <a:p>
+            <a:pPr lvl="1"/>
+            <a:r>
+              <a:rPr lang="tr-TR" dirty="0" smtClean="0"/>
+              <a:t>Sibling</a:t>
+            </a:r>
+          </a:p>
+          <a:p>
+            <a:pPr lvl="2"/>
+            <a:r>
+              <a:rPr lang="tr-TR" dirty="0" smtClean="0"/>
+              <a:t>Sister</a:t>
+            </a:r>
+          </a:p>
+          <a:p>
+            <a:pPr lvl="2"/>
+            <a:r>
+              <a:rPr lang="tr-TR" dirty="0" smtClean="0"/>
+              <a:t>Brother</a:t>
+            </a:r>
+          </a:p>
+          <a:p>
+            <a:pPr lvl="1"/>
+            <a:r>
+              <a:rPr lang="tr-TR" dirty="0" smtClean="0"/>
+              <a:t>Uncle</a:t>
+            </a:r>
+          </a:p>
+          <a:p>
+            <a:pPr lvl="1"/>
+            <a:r>
+              <a:rPr lang="tr-TR" dirty="0" smtClean="0"/>
+              <a:t>Aunt</a:t>
+            </a:r>
+          </a:p>
+          <a:p>
+            <a:pPr lvl="1"/>
+            <a:r>
+              <a:rPr lang="tr-TR" dirty="0" smtClean="0"/>
+              <a:t>Nephew</a:t>
+            </a:r>
+          </a:p>
+          <a:p>
+            <a:pPr lvl="1"/>
+            <a:r>
+              <a:rPr lang="tr-TR" dirty="0" smtClean="0"/>
+              <a:t>Niece</a:t>
+            </a:r>
+          </a:p>
+          <a:p>
+            <a:pPr lvl="1"/>
+            <a:r>
+              <a:rPr lang="tr-TR" dirty="0" smtClean="0"/>
+              <a:t>Parent</a:t>
+            </a:r>
+          </a:p>
+          <a:p>
+            <a:pPr lvl="2"/>
+            <a:r>
+              <a:rPr lang="tr-TR" dirty="0" smtClean="0"/>
+              <a:t>Father</a:t>
+            </a:r>
+          </a:p>
+          <a:p>
+            <a:pPr lvl="2"/>
+            <a:r>
+              <a:rPr lang="tr-TR" dirty="0" smtClean="0"/>
+              <a:t>Mother</a:t>
+            </a:r>
+            <a:endParaRPr lang="tr-TR" dirty="0"/>
+          </a:p>
+        </p:txBody>
+      </p:sp>
+      <p:sp>
+        <p:nvSpPr>
+          <p:cNvPr id="4" name="Content Placeholder 2"/>
+          <p:cNvSpPr txBox="1">
+            <a:spLocks/>
+          </p:cNvSpPr>
+          <p:nvPr/>
+        </p:nvSpPr>
+        <p:spPr>
+          <a:xfrm>
+            <a:off x="3500430" y="1571612"/>
+            <a:ext cx="3143272" cy="4525963"/>
+          </a:xfrm>
+          <a:prstGeom prst="rect">
+            <a:avLst/>
+          </a:prstGeom>
+        </p:spPr>
+        <p:txBody>
+          <a:bodyPr vert="horz" lIns="91440" tIns="45720" rIns="91440" bIns="45720" rtlCol="0">
+            <a:normAutofit fontScale="77500" lnSpcReduction="20000"/>
+          </a:bodyPr>
+          <a:lstStyle/>
+          <a:p>
+            <a:pPr marL="342900" marR="0" lvl="0" indent="-342900" algn="l" defTabSz="914400" rtl="0" eaLnBrk="1" fontAlgn="auto" latinLnBrk="0" hangingPunct="1">
+              <a:lnSpc>
+                <a:spcPct val="100000"/>
+              </a:lnSpc>
+              <a:spcBef>
+                <a:spcPct val="20000"/>
+              </a:spcBef>
+              <a:spcAft>
+                <a:spcPts val="0"/>
+              </a:spcAft>
+              <a:buClrTx/>
+              <a:buSzTx/>
+              <a:buFont typeface="Arial" pitchFamily="34" charset="0"/>
+              <a:buChar char="•"/>
+              <a:tabLst/>
+              <a:defRPr/>
+            </a:pPr>
+            <a:r>
+              <a:rPr kumimoji="0" lang="tr-TR" sz="2400" b="0" i="0" u="none" strike="noStrike" kern="1200" cap="none" spc="0" normalizeH="0" baseline="0" noProof="0" dirty="0" smtClean="0">
+                <a:ln>
+                  <a:noFill/>
+                </a:ln>
+                <a:solidFill>
+                  <a:schemeClr val="tx1"/>
+                </a:solidFill>
+                <a:effectLst/>
+                <a:uLnTx/>
+                <a:uFillTx/>
+                <a:latin typeface="+mn-lt"/>
+                <a:ea typeface="+mn-ea"/>
+                <a:cs typeface="+mn-cs"/>
+              </a:rPr>
+              <a:t>name.String</a:t>
+            </a:r>
+          </a:p>
+          <a:p>
+            <a:pPr marL="342900" marR="0" lvl="0" indent="-342900" algn="l" defTabSz="914400" rtl="0" eaLnBrk="1" fontAlgn="auto" latinLnBrk="0" hangingPunct="1">
+              <a:lnSpc>
+                <a:spcPct val="100000"/>
+              </a:lnSpc>
+              <a:spcBef>
+                <a:spcPct val="20000"/>
+              </a:spcBef>
+              <a:spcAft>
+                <a:spcPts val="0"/>
+              </a:spcAft>
+              <a:buClrTx/>
+              <a:buSzTx/>
+              <a:buFont typeface="Arial" pitchFamily="34" charset="0"/>
+              <a:buChar char="•"/>
+              <a:tabLst/>
+              <a:defRPr/>
+            </a:pPr>
+            <a:r>
+              <a:rPr kumimoji="0" lang="tr-TR" sz="2400" b="0" i="0" u="none" strike="noStrike" kern="1200" cap="none" spc="0" normalizeH="0" baseline="0" noProof="0" dirty="0" smtClean="0">
+                <a:ln>
+                  <a:noFill/>
+                </a:ln>
+                <a:solidFill>
+                  <a:schemeClr val="tx1"/>
+                </a:solidFill>
+                <a:effectLst/>
+                <a:uLnTx/>
+                <a:uFillTx/>
+                <a:latin typeface="+mn-lt"/>
+                <a:ea typeface="+mn-ea"/>
+                <a:cs typeface="+mn-cs"/>
+              </a:rPr>
+              <a:t>hasChild.Person</a:t>
+            </a:r>
+          </a:p>
+          <a:p>
+            <a:pPr marL="800100" lvl="1" indent="-342900">
+              <a:spcBef>
+                <a:spcPct val="20000"/>
+              </a:spcBef>
+              <a:buFont typeface="Arial" pitchFamily="34" charset="0"/>
+              <a:buChar char="•"/>
+            </a:pPr>
+            <a:r>
+              <a:rPr lang="tr-TR" sz="2400" dirty="0" smtClean="0"/>
+              <a:t>hasDaughter</a:t>
+            </a:r>
+          </a:p>
+          <a:p>
+            <a:pPr marL="800100" lvl="1" indent="-342900">
+              <a:spcBef>
+                <a:spcPct val="20000"/>
+              </a:spcBef>
+              <a:buFont typeface="Arial" pitchFamily="34" charset="0"/>
+              <a:buChar char="•"/>
+            </a:pPr>
+            <a:r>
+              <a:rPr kumimoji="0" lang="tr-TR" sz="2400" b="0" i="0" u="none" strike="noStrike" kern="1200" cap="none" spc="0" normalizeH="0" baseline="0" noProof="0" dirty="0" smtClean="0">
+                <a:ln>
+                  <a:noFill/>
+                </a:ln>
+                <a:solidFill>
+                  <a:schemeClr val="tx1"/>
+                </a:solidFill>
+                <a:effectLst/>
+                <a:uLnTx/>
+                <a:uFillTx/>
+                <a:latin typeface="+mn-lt"/>
+                <a:ea typeface="+mn-ea"/>
+                <a:cs typeface="+mn-cs"/>
+              </a:rPr>
+              <a:t>hasSon</a:t>
+            </a:r>
+          </a:p>
+          <a:p>
+            <a:pPr marL="342900" marR="0" lvl="0" indent="-342900" algn="l" defTabSz="914400" rtl="0" eaLnBrk="1" fontAlgn="auto" latinLnBrk="0" hangingPunct="1">
+              <a:lnSpc>
+                <a:spcPct val="100000"/>
+              </a:lnSpc>
+              <a:spcBef>
+                <a:spcPct val="20000"/>
+              </a:spcBef>
+              <a:spcAft>
+                <a:spcPts val="0"/>
+              </a:spcAft>
+              <a:buClrTx/>
+              <a:buSzTx/>
+              <a:buFont typeface="Arial" pitchFamily="34" charset="0"/>
+              <a:buChar char="•"/>
+              <a:tabLst/>
+              <a:defRPr/>
+            </a:pPr>
+            <a:r>
+              <a:rPr lang="tr-TR" sz="2400" dirty="0" smtClean="0"/>
+              <a:t>hasGender.Gender</a:t>
+            </a:r>
+          </a:p>
+          <a:p>
+            <a:pPr marL="342900" marR="0" lvl="0" indent="-342900" algn="l" defTabSz="914400" rtl="0" eaLnBrk="1" fontAlgn="auto" latinLnBrk="0" hangingPunct="1">
+              <a:lnSpc>
+                <a:spcPct val="100000"/>
+              </a:lnSpc>
+              <a:spcBef>
+                <a:spcPct val="20000"/>
+              </a:spcBef>
+              <a:spcAft>
+                <a:spcPts val="0"/>
+              </a:spcAft>
+              <a:buClrTx/>
+              <a:buSzTx/>
+              <a:buFont typeface="Arial" pitchFamily="34" charset="0"/>
+              <a:buChar char="•"/>
+              <a:tabLst/>
+              <a:defRPr/>
+            </a:pPr>
+            <a:r>
+              <a:rPr kumimoji="0" lang="tr-TR" sz="2400" b="0" i="0" u="none" strike="noStrike" kern="1200" cap="none" spc="0" normalizeH="0" baseline="0" noProof="0" dirty="0" smtClean="0">
+                <a:ln>
+                  <a:noFill/>
+                </a:ln>
+                <a:solidFill>
+                  <a:schemeClr val="tx1"/>
+                </a:solidFill>
+                <a:effectLst/>
+                <a:uLnTx/>
+                <a:uFillTx/>
+                <a:latin typeface="+mn-lt"/>
+                <a:ea typeface="+mn-ea"/>
+                <a:cs typeface="+mn-cs"/>
+              </a:rPr>
+              <a:t>hasParent.Person</a:t>
+            </a:r>
+          </a:p>
+          <a:p>
+            <a:pPr marL="800100" lvl="1" indent="-342900">
+              <a:spcBef>
+                <a:spcPct val="20000"/>
+              </a:spcBef>
+              <a:buFont typeface="Arial" pitchFamily="34" charset="0"/>
+              <a:buChar char="•"/>
+            </a:pPr>
+            <a:r>
+              <a:rPr lang="tr-TR" sz="2400" dirty="0" smtClean="0"/>
+              <a:t>hasFather</a:t>
+            </a:r>
+          </a:p>
+          <a:p>
+            <a:pPr marL="800100" lvl="1" indent="-342900">
+              <a:spcBef>
+                <a:spcPct val="20000"/>
+              </a:spcBef>
+              <a:buFont typeface="Arial" pitchFamily="34" charset="0"/>
+              <a:buChar char="•"/>
+            </a:pPr>
+            <a:r>
+              <a:rPr kumimoji="0" lang="tr-TR" sz="2400" b="0" i="0" u="none" strike="noStrike" kern="1200" cap="none" spc="0" normalizeH="0" baseline="0" noProof="0" dirty="0" smtClean="0">
+                <a:ln>
+                  <a:noFill/>
+                </a:ln>
+                <a:solidFill>
+                  <a:schemeClr val="tx1"/>
+                </a:solidFill>
+                <a:effectLst/>
+                <a:uLnTx/>
+                <a:uFillTx/>
+                <a:latin typeface="+mn-lt"/>
+                <a:ea typeface="+mn-ea"/>
+                <a:cs typeface="+mn-cs"/>
+              </a:rPr>
+              <a:t>hasMother</a:t>
+            </a:r>
+          </a:p>
+          <a:p>
+            <a:pPr marL="342900" marR="0" lvl="0" indent="-342900" algn="l" defTabSz="914400" rtl="0" eaLnBrk="1" fontAlgn="auto" latinLnBrk="0" hangingPunct="1">
+              <a:lnSpc>
+                <a:spcPct val="100000"/>
+              </a:lnSpc>
+              <a:spcBef>
+                <a:spcPct val="20000"/>
+              </a:spcBef>
+              <a:spcAft>
+                <a:spcPts val="0"/>
+              </a:spcAft>
+              <a:buClrTx/>
+              <a:buSzTx/>
+              <a:buFont typeface="Arial" pitchFamily="34" charset="0"/>
+              <a:buChar char="•"/>
+              <a:tabLst/>
+              <a:defRPr/>
+            </a:pPr>
+            <a:r>
+              <a:rPr kumimoji="0" lang="tr-TR" sz="2400" b="0" i="0" u="none" strike="noStrike" kern="1200" cap="none" spc="0" normalizeH="0" baseline="0" noProof="0" dirty="0" smtClean="0">
+                <a:ln>
+                  <a:noFill/>
+                </a:ln>
+                <a:solidFill>
+                  <a:schemeClr val="tx1"/>
+                </a:solidFill>
+                <a:effectLst/>
+                <a:uLnTx/>
+                <a:uFillTx/>
+                <a:latin typeface="+mn-lt"/>
+                <a:ea typeface="+mn-ea"/>
+                <a:cs typeface="+mn-cs"/>
+              </a:rPr>
+              <a:t>hasSibling.Person</a:t>
+            </a:r>
+          </a:p>
+          <a:p>
+            <a:pPr marL="800100" lvl="1" indent="-342900">
+              <a:spcBef>
+                <a:spcPct val="20000"/>
+              </a:spcBef>
+              <a:buFont typeface="Arial" pitchFamily="34" charset="0"/>
+              <a:buChar char="•"/>
+            </a:pPr>
+            <a:r>
+              <a:rPr lang="tr-TR" sz="2400" dirty="0" smtClean="0"/>
+              <a:t>hasBrother</a:t>
+            </a:r>
+          </a:p>
+          <a:p>
+            <a:pPr marL="800100" lvl="1" indent="-342900">
+              <a:spcBef>
+                <a:spcPct val="20000"/>
+              </a:spcBef>
+              <a:buFont typeface="Arial" pitchFamily="34" charset="0"/>
+              <a:buChar char="•"/>
+            </a:pPr>
+            <a:r>
+              <a:rPr kumimoji="0" lang="tr-TR" sz="2400" b="0" i="0" u="none" strike="noStrike" kern="1200" cap="none" spc="0" normalizeH="0" baseline="0" noProof="0" dirty="0" smtClean="0">
+                <a:ln>
+                  <a:noFill/>
+                </a:ln>
+                <a:solidFill>
+                  <a:schemeClr val="tx1"/>
+                </a:solidFill>
+                <a:effectLst/>
+                <a:uLnTx/>
+                <a:uFillTx/>
+                <a:latin typeface="+mn-lt"/>
+                <a:ea typeface="+mn-ea"/>
+                <a:cs typeface="+mn-cs"/>
+              </a:rPr>
+              <a:t>hasSister</a:t>
+            </a:r>
+          </a:p>
+          <a:p>
+            <a:pPr marL="342900" marR="0" lvl="0" indent="-342900" algn="l" defTabSz="914400" rtl="0" eaLnBrk="1" fontAlgn="auto" latinLnBrk="0" hangingPunct="1">
+              <a:lnSpc>
+                <a:spcPct val="100000"/>
+              </a:lnSpc>
+              <a:spcBef>
+                <a:spcPct val="20000"/>
+              </a:spcBef>
+              <a:spcAft>
+                <a:spcPts val="0"/>
+              </a:spcAft>
+              <a:buClrTx/>
+              <a:buSzTx/>
+              <a:buFont typeface="Arial" pitchFamily="34" charset="0"/>
+              <a:buChar char="•"/>
+              <a:tabLst/>
+              <a:defRPr/>
+            </a:pPr>
+            <a:r>
+              <a:rPr lang="tr-TR" sz="2400" dirty="0" smtClean="0"/>
+              <a:t>hasNephew.Person</a:t>
+            </a:r>
+          </a:p>
+          <a:p>
+            <a:pPr marL="342900" marR="0" lvl="0" indent="-342900" algn="l" defTabSz="914400" rtl="0" eaLnBrk="1" fontAlgn="auto" latinLnBrk="0" hangingPunct="1">
+              <a:lnSpc>
+                <a:spcPct val="100000"/>
+              </a:lnSpc>
+              <a:spcBef>
+                <a:spcPct val="20000"/>
+              </a:spcBef>
+              <a:spcAft>
+                <a:spcPts val="0"/>
+              </a:spcAft>
+              <a:buClrTx/>
+              <a:buSzTx/>
+              <a:buFont typeface="Arial" pitchFamily="34" charset="0"/>
+              <a:buChar char="•"/>
+              <a:tabLst/>
+              <a:defRPr/>
+            </a:pPr>
+            <a:r>
+              <a:rPr kumimoji="0" lang="tr-TR" sz="2400" b="0" i="0" u="none" strike="noStrike" kern="1200" cap="none" spc="0" normalizeH="0" baseline="0" noProof="0" dirty="0" smtClean="0">
+                <a:ln>
+                  <a:noFill/>
+                </a:ln>
+                <a:solidFill>
+                  <a:schemeClr val="tx1"/>
+                </a:solidFill>
+                <a:effectLst/>
+                <a:uLnTx/>
+                <a:uFillTx/>
+                <a:latin typeface="+mn-lt"/>
+                <a:ea typeface="+mn-ea"/>
+                <a:cs typeface="+mn-cs"/>
+              </a:rPr>
+              <a:t>hasNiece.Person</a:t>
+            </a:r>
+          </a:p>
+          <a:p>
+            <a:pPr marL="342900" marR="0" lvl="0" indent="-342900" algn="l" defTabSz="914400" rtl="0" eaLnBrk="1" fontAlgn="auto" latinLnBrk="0" hangingPunct="1">
+              <a:lnSpc>
+                <a:spcPct val="100000"/>
+              </a:lnSpc>
+              <a:spcBef>
+                <a:spcPct val="20000"/>
+              </a:spcBef>
+              <a:spcAft>
+                <a:spcPts val="0"/>
+              </a:spcAft>
+              <a:buClrTx/>
+              <a:buSzTx/>
+              <a:buFont typeface="Arial" pitchFamily="34" charset="0"/>
+              <a:buChar char="•"/>
+              <a:tabLst/>
+              <a:defRPr/>
+            </a:pPr>
+            <a:r>
+              <a:rPr lang="tr-TR" sz="2400" dirty="0" smtClean="0"/>
+              <a:t>hasUncle.Person</a:t>
+            </a:r>
+          </a:p>
+          <a:p>
+            <a:pPr marL="342900" marR="0" lvl="0" indent="-342900" algn="l" defTabSz="914400" rtl="0" eaLnBrk="1" fontAlgn="auto" latinLnBrk="0" hangingPunct="1">
+              <a:lnSpc>
+                <a:spcPct val="100000"/>
+              </a:lnSpc>
+              <a:spcBef>
+                <a:spcPct val="20000"/>
+              </a:spcBef>
+              <a:spcAft>
+                <a:spcPts val="0"/>
+              </a:spcAft>
+              <a:buClrTx/>
+              <a:buSzTx/>
+              <a:buFont typeface="Arial" pitchFamily="34" charset="0"/>
+              <a:buChar char="•"/>
+              <a:tabLst/>
+              <a:defRPr/>
+            </a:pPr>
+            <a:r>
+              <a:rPr kumimoji="0" lang="tr-TR" sz="2400" b="0" i="0" u="none" strike="noStrike" kern="1200" cap="none" spc="0" normalizeH="0" baseline="0" noProof="0" dirty="0" smtClean="0">
+                <a:ln>
+                  <a:noFill/>
+                </a:ln>
+                <a:solidFill>
+                  <a:schemeClr val="tx1"/>
+                </a:solidFill>
+                <a:effectLst/>
+                <a:uLnTx/>
+                <a:uFillTx/>
+                <a:latin typeface="+mn-lt"/>
+                <a:ea typeface="+mn-ea"/>
+                <a:cs typeface="+mn-cs"/>
+              </a:rPr>
+              <a:t>hasAunt.Person</a:t>
+            </a:r>
+          </a:p>
+        </p:txBody>
+      </p:sp>
+    </p:spTree>
+  </p:cSld>
+  <p:clrMapOvr>
+    <a:masterClrMapping/>
+  </p:clrMapOvr>
+</p:sld>
+</file>
+
+<file path=ppt/slides/slide7.xml><?xml version="1.0" encoding="utf-8"?>
+<p:sld xmlns:a="http://schemas.openxmlformats.org/drawingml/2006/main" xmlns:r="http://schemas.openxmlformats.org/officeDocument/2006/relationships" xmlns:p="http://schemas.openxmlformats.org/presentationml/2006/main">
+  <p:cSld>
+    <p:spTree>
+      <p:nvGrpSpPr>
+        <p:cNvPr id="1" name=""/>
+        <p:cNvGrpSpPr/>
+        <p:nvPr/>
+      </p:nvGrpSpPr>
+      <p:grpSpPr>
+        <a:xfrm>
+          <a:off x="0" y="0"/>
+          <a:ext cx="0" cy="0"/>
+          <a:chOff x="0" y="0"/>
+          <a:chExt cx="0" cy="0"/>
+        </a:xfrm>
+      </p:grpSpPr>
+      <p:sp>
+        <p:nvSpPr>
+          <p:cNvPr id="2" name="Title 1"/>
+          <p:cNvSpPr>
+            <a:spLocks noGrp="1"/>
+          </p:cNvSpPr>
+          <p:nvPr>
+            <p:ph type="title"/>
+          </p:nvPr>
+        </p:nvSpPr>
+        <p:spPr/>
+        <p:txBody>
+          <a:bodyPr>
+            <a:normAutofit fontScale="90000"/>
+          </a:bodyPr>
+          <a:lstStyle/>
+          <a:p>
+            <a:r>
+              <a:rPr lang="tr-TR" dirty="0" smtClean="0"/>
+              <a:t>Step 4: Paraphrase and formalise the definitions</a:t>
+            </a:r>
+            <a:endParaRPr lang="tr-TR" dirty="0"/>
+          </a:p>
+        </p:txBody>
+      </p:sp>
+      <p:sp>
+        <p:nvSpPr>
+          <p:cNvPr id="3" name="Content Placeholder 2"/>
+          <p:cNvSpPr>
+            <a:spLocks noGrp="1"/>
+          </p:cNvSpPr>
+          <p:nvPr>
+            <p:ph idx="1"/>
+          </p:nvPr>
+        </p:nvSpPr>
+        <p:spPr/>
+        <p:txBody>
+          <a:bodyPr>
+            <a:normAutofit fontScale="32500" lnSpcReduction="20000"/>
+          </a:bodyPr>
+          <a:lstStyle/>
+          <a:p>
+            <a:r>
+              <a:rPr lang="tr-TR" dirty="0" smtClean="0"/>
+              <a:t>Gender = {Male,Female}</a:t>
+            </a:r>
+          </a:p>
+          <a:p>
+            <a:pPr>
+              <a:buNone/>
+            </a:pPr>
+            <a:endParaRPr lang="tr-TR" dirty="0" smtClean="0"/>
+          </a:p>
+          <a:p>
+            <a:r>
+              <a:rPr lang="en-US" dirty="0" smtClean="0"/>
+              <a:t>Person = Man OR Woman</a:t>
+            </a:r>
+            <a:endParaRPr lang="tr-TR" dirty="0" smtClean="0"/>
+          </a:p>
+          <a:p>
+            <a:r>
+              <a:rPr lang="tr-TR" dirty="0" smtClean="0"/>
+              <a:t>Man </a:t>
+            </a:r>
+            <a:r>
+              <a:rPr lang="tr-TR" dirty="0" smtClean="0"/>
+              <a:t>= Person AND Male</a:t>
+            </a:r>
+          </a:p>
+          <a:p>
+            <a:r>
+              <a:rPr lang="tr-TR" dirty="0" smtClean="0"/>
+              <a:t>Woman = Person AND Female</a:t>
+            </a:r>
+          </a:p>
+          <a:p>
+            <a:pPr>
+              <a:buNone/>
+            </a:pPr>
+            <a:r>
+              <a:rPr lang="tr-TR" dirty="0" smtClean="0"/>
+              <a:t> </a:t>
+            </a:r>
+          </a:p>
+          <a:p>
+            <a:r>
+              <a:rPr lang="tr-TR" dirty="0" smtClean="0"/>
+              <a:t>Aunt = Woman AND (hasNephew OR hasNiece)</a:t>
+            </a:r>
+            <a:endParaRPr lang="tr-TR" dirty="0" smtClean="0"/>
+          </a:p>
+          <a:p>
+            <a:pPr>
+              <a:buNone/>
+            </a:pPr>
+            <a:r>
+              <a:rPr lang="tr-TR" dirty="0" smtClean="0"/>
+              <a:t> </a:t>
+            </a:r>
+          </a:p>
+          <a:p>
+            <a:r>
+              <a:rPr lang="tr-TR" dirty="0" smtClean="0"/>
+              <a:t>Nephew = Man AND (hasUncle OR hasAunt)</a:t>
+            </a:r>
+          </a:p>
+          <a:p>
+            <a:r>
+              <a:rPr lang="tr-TR" dirty="0" smtClean="0"/>
+              <a:t>Niece = Woman AND (hasUncle OR hasAunt)</a:t>
+            </a:r>
+          </a:p>
+          <a:p>
+            <a:pPr>
+              <a:buNone/>
+            </a:pPr>
+            <a:r>
+              <a:rPr lang="tr-TR" dirty="0" smtClean="0"/>
+              <a:t> </a:t>
+            </a:r>
+            <a:endParaRPr lang="tr-TR" dirty="0" smtClean="0"/>
+          </a:p>
+          <a:p>
+            <a:r>
+              <a:rPr lang="tr-TR" dirty="0" smtClean="0"/>
+              <a:t>Parent </a:t>
+            </a:r>
+            <a:r>
+              <a:rPr lang="tr-TR" dirty="0" smtClean="0"/>
+              <a:t>= Person AND </a:t>
+            </a:r>
+            <a:r>
+              <a:rPr lang="tr-TR" dirty="0" smtClean="0"/>
+              <a:t>hasChild.min1</a:t>
+            </a:r>
+          </a:p>
+          <a:p>
+            <a:r>
+              <a:rPr lang="tr-TR" dirty="0" smtClean="0"/>
+              <a:t>Father = Man AND Parent</a:t>
+            </a:r>
+          </a:p>
+          <a:p>
+            <a:r>
+              <a:rPr lang="tr-TR" dirty="0" smtClean="0"/>
+              <a:t>Mother </a:t>
+            </a:r>
+            <a:r>
+              <a:rPr lang="tr-TR" dirty="0" smtClean="0"/>
+              <a:t>= </a:t>
+            </a:r>
+            <a:r>
+              <a:rPr lang="tr-TR" dirty="0" smtClean="0"/>
+              <a:t>Woman </a:t>
+            </a:r>
+            <a:r>
+              <a:rPr lang="tr-TR" dirty="0" smtClean="0"/>
+              <a:t>AND Parent</a:t>
+            </a:r>
+          </a:p>
+          <a:p>
+            <a:pPr>
+              <a:buNone/>
+            </a:pPr>
+            <a:endParaRPr lang="tr-TR" dirty="0" smtClean="0"/>
+          </a:p>
+          <a:p>
+            <a:r>
+              <a:rPr lang="tr-TR" dirty="0" smtClean="0"/>
+              <a:t>Child = Person AND </a:t>
+            </a:r>
+            <a:r>
+              <a:rPr lang="tr-TR" dirty="0" smtClean="0"/>
+              <a:t>hasParent.min1</a:t>
+            </a:r>
+            <a:endParaRPr lang="tr-TR" dirty="0" smtClean="0"/>
+          </a:p>
+          <a:p>
+            <a:r>
+              <a:rPr lang="tr-TR" dirty="0" smtClean="0"/>
+              <a:t>Daughter </a:t>
+            </a:r>
+            <a:r>
+              <a:rPr lang="tr-TR" dirty="0" smtClean="0"/>
+              <a:t>= Child AND Woman</a:t>
+            </a:r>
+          </a:p>
+          <a:p>
+            <a:r>
+              <a:rPr lang="tr-TR" dirty="0" smtClean="0"/>
+              <a:t>Son = Child AND Man</a:t>
+            </a:r>
+          </a:p>
+          <a:p>
+            <a:pPr>
+              <a:buNone/>
+            </a:pPr>
+            <a:r>
+              <a:rPr lang="tr-TR" dirty="0" smtClean="0"/>
+              <a:t> </a:t>
+            </a:r>
+          </a:p>
+          <a:p>
+            <a:r>
+              <a:rPr lang="tr-TR" dirty="0" smtClean="0"/>
+              <a:t>Sibling = Person AND </a:t>
+            </a:r>
+            <a:r>
+              <a:rPr lang="tr-TR" dirty="0" smtClean="0"/>
+              <a:t>hasSibling.min1</a:t>
+            </a:r>
+            <a:endParaRPr lang="tr-TR" dirty="0" smtClean="0"/>
+          </a:p>
+          <a:p>
+            <a:r>
+              <a:rPr lang="tr-TR" dirty="0" smtClean="0"/>
+              <a:t>Brother  =  Man AND Sibling</a:t>
+            </a:r>
+          </a:p>
+          <a:p>
+            <a:r>
+              <a:rPr lang="tr-TR" dirty="0" smtClean="0"/>
+              <a:t>Sister =  Woman AND Sibling</a:t>
+            </a:r>
+          </a:p>
+          <a:p>
+            <a:pPr>
+              <a:buNone/>
+            </a:pPr>
+            <a:r>
+              <a:rPr lang="tr-TR" dirty="0" smtClean="0"/>
+              <a:t> </a:t>
+            </a:r>
+          </a:p>
+          <a:p>
+            <a:r>
+              <a:rPr lang="tr-TR" dirty="0" smtClean="0"/>
+              <a:t>Relative = Sibling OR Parent OR Child OR Aunt OR Nephew OR Niece OR Uncle</a:t>
+            </a:r>
+          </a:p>
+          <a:p>
+            <a:pPr>
+              <a:buNone/>
+            </a:pPr>
+            <a:r>
+              <a:rPr lang="tr-TR" dirty="0" smtClean="0"/>
+              <a:t>...</a:t>
+            </a:r>
+            <a:endParaRPr lang="tr-TR" dirty="0" smtClean="0"/>
+          </a:p>
+        </p:txBody>
+      </p:sp>
+    </p:spTree>
+  </p:cSld>
+  <p:clrMapOvr>
+    <a:masterClrMapping/>
+  </p:clrMapOvr>
+</p:sld>
+</file>
+
+<file path=ppt/slides/slide8.xml><?xml version="1.0" encoding="utf-8"?>
 <p:sld xmlns:a="http://schemas.openxmlformats.org/drawingml/2006/main" xmlns:r="http://schemas.openxmlformats.org/officeDocument/2006/relationships" xmlns:p="http://schemas.openxmlformats.org/presentationml/2006/main">
   <p:cSld>
     <p:spTree>
@@ -6734,7 +8370,7 @@
 </p:sld>
 </file>
 
-<file path=ppt/slides/slide7.xml><?xml version="1.0" encoding="utf-8"?>
+<file path=ppt/slides/slide9.xml><?xml version="1.0" encoding="utf-8"?>
 <p:sld xmlns:a="http://schemas.openxmlformats.org/drawingml/2006/main" xmlns:r="http://schemas.openxmlformats.org/officeDocument/2006/relationships" xmlns:p="http://schemas.openxmlformats.org/presentationml/2006/main">
   <p:cSld>
     <p:spTree>
@@ -6824,7 +8460,7 @@
           <a:p>
             <a:pPr eaLnBrk="0" hangingPunct="0"/>
             <a:r>
-              <a:rPr lang="en-US" altLang="zh-TW" sz="2800" b="0">
+              <a:rPr lang="en-US" altLang="zh-TW" sz="2800" b="0" dirty="0">
                 <a:latin typeface="Times New Roman" pitchFamily="18" charset="0"/>
                 <a:ea typeface="PMingLiU" pitchFamily="18" charset="-120"/>
               </a:rPr>
@@ -6871,7 +8507,7 @@
               <a:buChar char="•"/>
             </a:pPr>
             <a:r>
-              <a:rPr lang="en-US" altLang="zh-TW" sz="2400" b="0">
+              <a:rPr lang="en-US" altLang="zh-TW" sz="2400" b="0" dirty="0">
                 <a:latin typeface="Times New Roman" pitchFamily="18" charset="0"/>
                 <a:ea typeface="PMingLiU" pitchFamily="18" charset="-120"/>
               </a:rPr>
@@ -6885,34 +8521,62 @@
               </a:lnSpc>
             </a:pPr>
             <a:r>
-              <a:rPr lang="en-US" altLang="zh-TW" sz="2000" b="0" i="1">
+              <a:rPr lang="en-US" altLang="zh-TW" sz="2000" b="0" i="1" dirty="0">
                 <a:latin typeface="Times New Roman" pitchFamily="18" charset="0"/>
                 <a:ea typeface="PMingLiU" pitchFamily="18" charset="-120"/>
               </a:rPr>
-              <a:t>		Ex: Borders_with </a:t>
-            </a:r>
-            <a:r>
-              <a:rPr lang="en-US" altLang="zh-TW" sz="2000" b="0">
+              <a:t>		Ex: </a:t>
+            </a:r>
+            <a:r>
+              <a:rPr lang="en-US" altLang="zh-TW" sz="2000" b="0" i="1" dirty="0" err="1">
+                <a:latin typeface="Times New Roman" pitchFamily="18" charset="0"/>
+                <a:ea typeface="PMingLiU" pitchFamily="18" charset="-120"/>
+              </a:rPr>
+              <a:t>Borders_with</a:t>
+            </a:r>
+            <a:r>
+              <a:rPr lang="en-US" altLang="zh-TW" sz="2000" b="0" i="1" dirty="0">
+                <a:latin typeface="Times New Roman" pitchFamily="18" charset="0"/>
+                <a:ea typeface="PMingLiU" pitchFamily="18" charset="-120"/>
+              </a:rPr>
+              <a:t> </a:t>
+            </a:r>
+            <a:r>
+              <a:rPr lang="en-US" altLang="zh-TW" sz="2000" b="0" dirty="0">
                 <a:latin typeface="Times New Roman" pitchFamily="18" charset="0"/>
                 <a:ea typeface="PMingLiU" pitchFamily="18" charset="-120"/>
               </a:rPr>
               <a:t>multiple</a:t>
             </a:r>
             <a:r>
-              <a:rPr lang="en-US" altLang="zh-TW" sz="2000" b="0" i="1">
+              <a:rPr lang="en-US" altLang="zh-TW" sz="2000" b="0" i="1" dirty="0">
                 <a:latin typeface="Times New Roman" pitchFamily="18" charset="0"/>
                 <a:ea typeface="PMingLiU" pitchFamily="18" charset="-120"/>
               </a:rPr>
-              <a:t>, Start_point </a:t>
-            </a:r>
-            <a:r>
-              <a:rPr lang="en-US" altLang="zh-TW" sz="2000" b="0">
+              <a:t>, </a:t>
+            </a:r>
+            <a:r>
+              <a:rPr lang="en-US" altLang="zh-TW" sz="2000" b="0" i="1" dirty="0" err="1">
+                <a:latin typeface="Times New Roman" pitchFamily="18" charset="0"/>
+                <a:ea typeface="PMingLiU" pitchFamily="18" charset="-120"/>
+              </a:rPr>
+              <a:t>Start_point</a:t>
+            </a:r>
+            <a:r>
+              <a:rPr lang="en-US" altLang="zh-TW" sz="2000" b="0" i="1" dirty="0">
+                <a:latin typeface="Times New Roman" pitchFamily="18" charset="0"/>
+                <a:ea typeface="PMingLiU" pitchFamily="18" charset="-120"/>
+              </a:rPr>
+              <a:t> </a:t>
+            </a:r>
+            <a:r>
+              <a:rPr lang="en-US" altLang="zh-TW" sz="2000" b="0" dirty="0">
                 <a:latin typeface="Times New Roman" pitchFamily="18" charset="0"/>
                 <a:ea typeface="PMingLiU" pitchFamily="18" charset="-120"/>
               </a:rPr>
               <a:t>single</a:t>
             </a:r>
-            <a:endParaRPr lang="en-US" altLang="zh-TW" sz="2400" b="0">
+            <a:endParaRPr lang="en-US" altLang="zh-TW" sz="2400" b="0" dirty="0">
               <a:latin typeface="Times New Roman" pitchFamily="18" charset="0"/>
               <a:ea typeface="PMingLiU" pitchFamily="18" charset="-120"/>
             </a:endParaRPr>
@@ -6954,7 +8618,7 @@
               <a:buChar char="•"/>
             </a:pPr>
             <a:r>
-              <a:rPr lang="en-US" altLang="zh-TW" sz="2400" b="0">
+              <a:rPr lang="en-US" altLang="zh-TW" sz="2400" b="0" dirty="0">
                 <a:latin typeface="Times New Roman" pitchFamily="18" charset="0"/>
                 <a:ea typeface="PMingLiU" pitchFamily="18" charset="-120"/>
               </a:rPr>
@@ -6968,20 +8632,34 @@
               </a:lnSpc>
             </a:pPr>
             <a:r>
-              <a:rPr lang="en-US" altLang="zh-TW" sz="2000" b="0" i="1">
+              <a:rPr lang="en-US" altLang="zh-TW" sz="2000" b="0" i="1" dirty="0">
                 <a:latin typeface="Times New Roman" pitchFamily="18" charset="0"/>
                 <a:ea typeface="PMingLiU" pitchFamily="18" charset="-120"/>
               </a:rPr>
-              <a:t>		Ex: Borders_with- </a:t>
-            </a:r>
-            <a:r>
-              <a:rPr lang="en-US" altLang="zh-TW" sz="2000" b="0">
+              <a:t>		Ex: </a:t>
+            </a:r>
+            <a:r>
+              <a:rPr lang="en-US" altLang="zh-TW" sz="2000" b="0" i="1" dirty="0" err="1">
+                <a:latin typeface="Times New Roman" pitchFamily="18" charset="0"/>
+                <a:ea typeface="PMingLiU" pitchFamily="18" charset="-120"/>
+              </a:rPr>
+              <a:t>Borders_with</a:t>
+            </a:r>
+            <a:r>
+              <a:rPr lang="en-US" altLang="zh-TW" sz="2000" b="0" i="1" dirty="0">
+                <a:latin typeface="Times New Roman" pitchFamily="18" charset="0"/>
+                <a:ea typeface="PMingLiU" pitchFamily="18" charset="-120"/>
+              </a:rPr>
+              <a:t>- </a:t>
+            </a:r>
+            <a:r>
+              <a:rPr lang="en-US" altLang="zh-TW" sz="2000" b="0" dirty="0">
                 <a:latin typeface="Times New Roman" pitchFamily="18" charset="0"/>
                 <a:ea typeface="PMingLiU" pitchFamily="18" charset="-120"/>
               </a:rPr>
               <a:t>Country</a:t>
             </a:r>
-            <a:endParaRPr lang="en-US" altLang="zh-TW" sz="2400" b="0">
+            <a:endParaRPr lang="en-US" altLang="zh-TW" sz="2400" b="0" dirty="0">
               <a:latin typeface="Times New Roman" pitchFamily="18" charset="0"/>
               <a:ea typeface="PMingLiU" pitchFamily="18" charset="-120"/>
             </a:endParaRPr>
@@ -7038,13 +8716,13 @@
             <a:p>
               <a:pPr algn="ctr" eaLnBrk="0" hangingPunct="0"/>
               <a:r>
-                <a:rPr lang="en-US" altLang="zh-TW" sz="1800" b="0">
+                <a:rPr lang="en-US" altLang="zh-TW" sz="1800" b="0" dirty="0" err="1">
                   <a:latin typeface="Times New Roman" pitchFamily="18" charset="0"/>
                   <a:ea typeface="PMingLiU" pitchFamily="18" charset="-120"/>
                 </a:rPr>
                 <a:t>Geographic_entity</a:t>
               </a:r>
-              <a:endParaRPr lang="en-US" altLang="zh-TW" sz="2400" b="0">
+              <a:endParaRPr lang="en-US" altLang="zh-TW" sz="2400" b="0" dirty="0">
                 <a:latin typeface="Times New Roman" pitchFamily="18" charset="0"/>
                 <a:ea typeface="PMingLiU" pitchFamily="18" charset="-120"/>
               </a:endParaRPr>
@@ -7085,13 +8763,13 @@
             <a:p>
               <a:pPr algn="ctr" eaLnBrk="0" hangingPunct="0"/>
               <a:r>
-                <a:rPr lang="en-US" altLang="zh-TW" sz="1800" b="0">
+                <a:rPr lang="en-US" altLang="zh-TW" sz="1800" b="0" dirty="0">
                   <a:latin typeface="Times New Roman" pitchFamily="18" charset="0"/>
                   <a:ea typeface="PMingLiU" pitchFamily="18" charset="-120"/>
                 </a:rPr>
                 <a:t>Country</a:t>
               </a:r>
-              <a:endParaRPr lang="en-US" altLang="zh-TW" sz="2400" b="0">
+              <a:endParaRPr lang="en-US" altLang="zh-TW" sz="2400" b="0" dirty="0">
                 <a:latin typeface="Times New Roman" pitchFamily="18" charset="0"/>
                 <a:ea typeface="PMingLiU" pitchFamily="18" charset="-120"/>
               </a:endParaRPr>
@@ -7854,417 +9532,6 @@
 </p:sld>
 </file>
 
-<file path=ppt/slides/slide8.xml><?xml version="1.0" encoding="utf-8"?>
-<p:sld xmlns:a="http://schemas.openxmlformats.org/drawingml/2006/main" xmlns:r="http://schemas.openxmlformats.org/officeDocument/2006/relationships" xmlns:p="http://schemas.openxmlformats.org/presentationml/2006/main" show="0">
-  <p:cSld>
-    <p:spTree>
-      <p:nvGrpSpPr>
-        <p:cNvPr id="1" name=""/>
-        <p:cNvGrpSpPr/>
-        <p:nvPr/>
-      </p:nvGrpSpPr>
-      <p:grpSpPr>
-        <a:xfrm>
-          <a:off x="0" y="0"/>
-          <a:ext cx="0" cy="0"/>
-          <a:chOff x="0" y="0"/>
-          <a:chExt cx="0" cy="0"/>
-        </a:xfrm>
-      </p:grpSpPr>
-      <p:sp>
-        <p:nvSpPr>
-          <p:cNvPr id="78850" name="Rectangle 2"/>
-          <p:cNvSpPr>
-            <a:spLocks noChangeArrowheads="1"/>
-          </p:cNvSpPr>
-          <p:nvPr/>
-        </p:nvSpPr>
-        <p:spPr bwMode="auto">
-          <a:xfrm>
-            <a:off x="1331913" y="-90488"/>
-            <a:ext cx="7632700" cy="711201"/>
-          </a:xfrm>
-          <a:prstGeom prst="rect">
-            <a:avLst/>
-          </a:prstGeom>
-          <a:noFill/>
-          <a:ln w="9525">
-            <a:noFill/>
-            <a:miter lim="800000"/>
-            <a:headEnd/>
-            <a:tailEnd/>
-          </a:ln>
-        </p:spPr>
-        <p:txBody>
-          <a:bodyPr anchor="ctr"/>
-          <a:lstStyle/>
-          <a:p>
-            <a:pPr algn="ctr"/>
-            <a:r>
-              <a:rPr lang="en-US" sz="4400" b="0">
-                <a:solidFill>
-                  <a:schemeClr val="tx2"/>
-                </a:solidFill>
-              </a:rPr>
-              <a:t>OWL Example in Protégé  (1)</a:t>
-            </a:r>
-          </a:p>
-        </p:txBody>
-      </p:sp>
-      <p:sp>
-        <p:nvSpPr>
-          <p:cNvPr id="78851" name="Rectangle 3"/>
-          <p:cNvSpPr>
-            <a:spLocks noChangeArrowheads="1"/>
-          </p:cNvSpPr>
-          <p:nvPr/>
-        </p:nvSpPr>
-        <p:spPr bwMode="auto">
-          <a:xfrm>
-            <a:off x="685800" y="976313"/>
-            <a:ext cx="8458200" cy="4648200"/>
-          </a:xfrm>
-          <a:prstGeom prst="rect">
-            <a:avLst/>
-          </a:prstGeom>
-          <a:noFill/>
-          <a:ln w="9525">
-            <a:noFill/>
-            <a:miter lim="800000"/>
-            <a:headEnd/>
-            <a:tailEnd/>
-          </a:ln>
-        </p:spPr>
-        <p:txBody>
-          <a:bodyPr/>
-          <a:lstStyle/>
-          <a:p>
-            <a:pPr marL="342900" indent="-342900">
-              <a:spcBef>
-                <a:spcPct val="20000"/>
-              </a:spcBef>
-              <a:buFontTx/>
-              <a:buChar char="•"/>
-            </a:pPr>
-            <a:r>
-              <a:rPr lang="en-US" sz="3200" b="0"/>
-              <a:t>Class</a:t>
-            </a:r>
-          </a:p>
-          <a:p>
-            <a:pPr marL="742950" lvl="1" indent="-285750">
-              <a:spcBef>
-                <a:spcPct val="20000"/>
-              </a:spcBef>
-              <a:buFontTx/>
-              <a:buChar char="–"/>
-            </a:pPr>
-            <a:r>
-              <a:rPr lang="en-US" sz="2400" b="0"/>
-              <a:t>Person superclass</a:t>
-            </a:r>
-          </a:p>
-          <a:p>
-            <a:pPr marL="742950" lvl="1" indent="-285750">
-              <a:spcBef>
-                <a:spcPct val="20000"/>
-              </a:spcBef>
-              <a:buFontTx/>
-              <a:buChar char="–"/>
-            </a:pPr>
-            <a:r>
-              <a:rPr lang="en-US" sz="2400" b="0"/>
-              <a:t>Man, Woman subclasses</a:t>
-            </a:r>
-            <a:endParaRPr lang="tr-TR" sz="2400" b="0"/>
-          </a:p>
-          <a:p>
-            <a:pPr marL="742950" lvl="1" indent="-285750">
-              <a:spcBef>
-                <a:spcPct val="20000"/>
-              </a:spcBef>
-              <a:buFontTx/>
-              <a:buChar char="–"/>
-            </a:pPr>
-            <a:r>
-              <a:rPr lang="tr-TR" sz="2400" b="0"/>
-              <a:t>Enumerated Classes</a:t>
-            </a:r>
-            <a:endParaRPr lang="en-US" sz="2400" b="0"/>
-          </a:p>
-          <a:p>
-            <a:pPr marL="342900" indent="-342900">
-              <a:spcBef>
-                <a:spcPct val="20000"/>
-              </a:spcBef>
-              <a:buFontTx/>
-              <a:buChar char="•"/>
-            </a:pPr>
-            <a:r>
-              <a:rPr lang="en-US" sz="3200" b="0"/>
-              <a:t>Properties</a:t>
-            </a:r>
-          </a:p>
-          <a:p>
-            <a:pPr marL="742950" lvl="1" indent="-285750">
-              <a:spcBef>
-                <a:spcPct val="20000"/>
-              </a:spcBef>
-              <a:buFontTx/>
-              <a:buChar char="–"/>
-            </a:pPr>
-            <a:r>
-              <a:rPr lang="en-US" sz="2400" b="0"/>
-              <a:t>isWifeOf, isHusbandOf</a:t>
-            </a:r>
-          </a:p>
-          <a:p>
-            <a:pPr marL="342900" indent="-342900">
-              <a:spcBef>
-                <a:spcPct val="20000"/>
-              </a:spcBef>
-              <a:buFontTx/>
-              <a:buChar char="•"/>
-            </a:pPr>
-            <a:r>
-              <a:rPr lang="en-US" sz="3200" b="0"/>
-              <a:t>Property characteristics, restrictions</a:t>
-            </a:r>
-          </a:p>
-          <a:p>
-            <a:pPr marL="742950" lvl="1" indent="-285750">
-              <a:spcBef>
-                <a:spcPct val="20000"/>
-              </a:spcBef>
-              <a:buFontTx/>
-              <a:buChar char="–"/>
-            </a:pPr>
-            <a:r>
-              <a:rPr lang="en-US" sz="2400" b="0"/>
-              <a:t>inverseOf</a:t>
-            </a:r>
-          </a:p>
-          <a:p>
-            <a:pPr marL="742950" lvl="1" indent="-285750">
-              <a:spcBef>
-                <a:spcPct val="20000"/>
-              </a:spcBef>
-              <a:buFontTx/>
-              <a:buChar char="–"/>
-            </a:pPr>
-            <a:r>
-              <a:rPr lang="en-US" sz="2400" b="0"/>
-              <a:t>domain</a:t>
-            </a:r>
-          </a:p>
-          <a:p>
-            <a:pPr marL="742950" lvl="1" indent="-285750">
-              <a:spcBef>
-                <a:spcPct val="20000"/>
-              </a:spcBef>
-              <a:buFontTx/>
-              <a:buChar char="–"/>
-            </a:pPr>
-            <a:r>
-              <a:rPr lang="en-US" sz="2400" b="0"/>
-              <a:t>range</a:t>
-            </a:r>
-          </a:p>
-          <a:p>
-            <a:pPr marL="742950" lvl="1" indent="-285750">
-              <a:spcBef>
-                <a:spcPct val="20000"/>
-              </a:spcBef>
-              <a:buFontTx/>
-              <a:buChar char="–"/>
-            </a:pPr>
-            <a:r>
-              <a:rPr lang="en-US" sz="2400" b="0"/>
-              <a:t>Cardinality</a:t>
-            </a:r>
-            <a:endParaRPr lang="tr-TR" sz="2400" b="0"/>
-          </a:p>
-          <a:p>
-            <a:pPr marL="742950" lvl="1" indent="-285750">
-              <a:spcBef>
-                <a:spcPct val="20000"/>
-              </a:spcBef>
-              <a:buFontTx/>
-              <a:buChar char="–"/>
-            </a:pPr>
-            <a:r>
-              <a:rPr lang="tr-TR" sz="2400" b="0"/>
-              <a:t>allValuesFrom, someValuesFrom, hasValue, minCardinality, maxCardinality, cardinality</a:t>
-            </a:r>
-            <a:endParaRPr lang="en-US" sz="2400" b="0"/>
-          </a:p>
-          <a:p>
-            <a:pPr marL="342900" indent="-342900">
-              <a:spcBef>
-                <a:spcPct val="20000"/>
-              </a:spcBef>
-              <a:buFontTx/>
-              <a:buChar char="•"/>
-            </a:pPr>
-            <a:r>
-              <a:rPr lang="en-US" sz="3200" b="0"/>
-              <a:t>Class expressions</a:t>
-            </a:r>
-          </a:p>
-          <a:p>
-            <a:pPr marL="742950" lvl="1" indent="-285750">
-              <a:spcBef>
-                <a:spcPct val="20000"/>
-              </a:spcBef>
-              <a:buFontTx/>
-              <a:buChar char="–"/>
-            </a:pPr>
-            <a:r>
-              <a:rPr lang="en-US" sz="2400" b="0"/>
-              <a:t>disjointWith</a:t>
-            </a:r>
-            <a:r>
-              <a:rPr lang="tr-TR" sz="2400" b="0"/>
-              <a:t>, </a:t>
-            </a:r>
-            <a:r>
-              <a:rPr lang="en-US" sz="2800" b="0"/>
-              <a:t>unionOf</a:t>
-            </a:r>
-            <a:r>
-              <a:rPr lang="tr-TR" sz="2800" b="0"/>
-              <a:t> </a:t>
-            </a:r>
-            <a:r>
-              <a:rPr lang="en-US" sz="2800" b="0"/>
-              <a:t>(or)</a:t>
-            </a:r>
-            <a:r>
-              <a:rPr lang="tr-TR" sz="2800" b="0"/>
-              <a:t>, </a:t>
-            </a:r>
-            <a:r>
-              <a:rPr lang="en-US" sz="2800" b="0"/>
-              <a:t>intersectionOf (and)</a:t>
-            </a:r>
-            <a:r>
-              <a:rPr lang="tr-TR" sz="2800" b="0"/>
-              <a:t>, </a:t>
-            </a:r>
-            <a:r>
-              <a:rPr lang="en-US" sz="2800" b="0"/>
-              <a:t>complementOf (not)</a:t>
-            </a:r>
-          </a:p>
-        </p:txBody>
-      </p:sp>
-    </p:spTree>
-  </p:cSld>
-  <p:clrMapOvr>
-    <a:masterClrMapping/>
-  </p:clrMapOvr>
-  <p:transition/>
-</p:sld>
-</file>
-
-<file path=ppt/slides/slide9.xml><?xml version="1.0" encoding="utf-8"?>
-<p:sld xmlns:a="http://schemas.openxmlformats.org/drawingml/2006/main" xmlns:r="http://schemas.openxmlformats.org/officeDocument/2006/relationships" xmlns:p="http://schemas.openxmlformats.org/presentationml/2006/main" show="0">
-  <p:cSld>
-    <p:spTree>
-      <p:nvGrpSpPr>
-        <p:cNvPr id="1" name=""/>
-        <p:cNvGrpSpPr/>
-        <p:nvPr/>
-      </p:nvGrpSpPr>
-      <p:grpSpPr>
-        <a:xfrm>
-          <a:off x="0" y="0"/>
-          <a:ext cx="0" cy="0"/>
-          <a:chOff x="0" y="0"/>
-          <a:chExt cx="0" cy="0"/>
-        </a:xfrm>
-      </p:grpSpPr>
-      <p:sp>
-        <p:nvSpPr>
-          <p:cNvPr id="79874" name="Rectangle 2"/>
-          <p:cNvSpPr>
-            <a:spLocks noChangeArrowheads="1"/>
-          </p:cNvSpPr>
-          <p:nvPr/>
-        </p:nvSpPr>
-        <p:spPr bwMode="auto">
-          <a:xfrm>
-            <a:off x="611188" y="103188"/>
-            <a:ext cx="7772400" cy="576262"/>
-          </a:xfrm>
-          <a:prstGeom prst="rect">
-            <a:avLst/>
-          </a:prstGeom>
-          <a:noFill/>
-          <a:ln w="9525">
-            <a:noFill/>
-            <a:miter lim="800000"/>
-            <a:headEnd/>
-            <a:tailEnd/>
-          </a:ln>
-        </p:spPr>
-        <p:txBody>
-          <a:bodyPr anchor="b"/>
-          <a:lstStyle/>
-          <a:p>
-            <a:pPr algn="ctr"/>
-            <a:r>
-              <a:rPr lang="en-US" sz="3600" b="0">
-                <a:solidFill>
-                  <a:schemeClr val="tx2"/>
-                </a:solidFill>
-              </a:rPr>
-              <a:t>OWL Example in Protégé (2)</a:t>
-            </a:r>
-          </a:p>
-        </p:txBody>
-      </p:sp>
-      <p:pic>
-        <p:nvPicPr>
-          <p:cNvPr id="79875" name="Picture 3"/>
-          <p:cNvPicPr>
-            <a:picLocks noChangeAspect="1" noChangeArrowheads="1"/>
-          </p:cNvPicPr>
-          <p:nvPr/>
-        </p:nvPicPr>
-        <p:blipFill>
-          <a:blip r:embed="rId3"/>
-          <a:srcRect/>
-          <a:stretch>
-            <a:fillRect/>
-          </a:stretch>
-        </p:blipFill>
-        <p:spPr bwMode="auto">
-          <a:xfrm>
-            <a:off x="107950" y="636588"/>
-            <a:ext cx="8964613" cy="6213475"/>
-          </a:xfrm>
-          <a:prstGeom prst="rect">
-            <a:avLst/>
-          </a:prstGeom>
-          <a:noFill/>
-          <a:ln w="9525">
-            <a:noFill/>
-            <a:miter lim="800000"/>
-            <a:headEnd/>
-            <a:tailEnd/>
-          </a:ln>
-        </p:spPr>
-      </p:pic>
-    </p:spTree>
-  </p:cSld>
-  <p:clrMapOvr>
-    <a:masterClrMapping/>
-  </p:clrMapOvr>
-  <p:transition/>
-</p:sld>
-</file>
-
 <file path=ppt/theme/theme1.xml><?xml version="1.0" encoding="utf-8"?>
 <a:theme xmlns:a="http://schemas.openxmlformats.org/drawingml/2006/main" name="Office Theme">
   <a:themeElements>
